--- a/Final/OOAD 個人計帳本final.pptx
+++ b/Final/OOAD 個人計帳本final.pptx
@@ -6298,12 +6298,24 @@
           </a:p>
           <a:p>
             <a:r>
-              <a:rPr lang="zh-TW" altLang="en-US" smtClean="0"/>
-              <a:t>台</a:t>
-            </a:r>
-            <a:r>
               <a:rPr lang="zh-TW" altLang="en-US" dirty="0" smtClean="0"/>
-              <a:t>師大 資工碩一 周</a:t>
+              <a:t>台師大 資工碩</a:t>
+            </a:r>
+            <a:r>
+              <a:rPr lang="zh-TW" altLang="en-US" dirty="0" smtClean="0"/>
+              <a:t>一 </a:t>
+            </a:r>
+            <a:r>
+              <a:rPr lang="en-US" altLang="zh-TW" dirty="0"/>
+              <a:t>60647031s</a:t>
+            </a:r>
+            <a:r>
+              <a:rPr lang="zh-TW" altLang="en-US" dirty="0" smtClean="0"/>
+              <a:t> </a:t>
+            </a:r>
+            <a:r>
+              <a:rPr lang="zh-TW" altLang="en-US" dirty="0" smtClean="0"/>
+              <a:t>周</a:t>
             </a:r>
             <a:r>
               <a:rPr lang="zh-TW" altLang="en-US" dirty="0"/>
@@ -6400,15 +6412,7 @@
           <a:p>
             <a:r>
               <a:rPr lang="en-US" altLang="zh-TW" sz="4800" dirty="0" smtClean="0"/>
-              <a:t>(a)</a:t>
-            </a:r>
-            <a:r>
-              <a:rPr lang="zh-TW" altLang="en-US" sz="4800" dirty="0" smtClean="0"/>
-              <a:t> </a:t>
-            </a:r>
-            <a:r>
-              <a:rPr lang="en-US" altLang="zh-TW" sz="4800" dirty="0" smtClean="0"/>
-              <a:t>Summary</a:t>
+              <a:t>Outline</a:t>
             </a:r>
             <a:endParaRPr lang="zh-TW" altLang="en-US" sz="4800" b="1" dirty="0"/>
           </a:p>
@@ -6478,7 +6482,7 @@
               <a:t>(Use case)</a:t>
             </a:r>
             <a:r>
-              <a:rPr lang="zh-TW" altLang="en-US" sz="2400" smtClean="0"/>
+              <a:rPr lang="zh-TW" altLang="en-US" sz="2400" dirty="0" smtClean="0"/>
               <a:t>。</a:t>
             </a:r>
             <a:endParaRPr lang="zh-TW" altLang="en-US" sz="2400" dirty="0"/>
@@ -6599,15 +6603,11 @@
           <a:p>
             <a:r>
               <a:rPr lang="en-US" altLang="zh-TW" sz="4800" dirty="0" smtClean="0"/>
-              <a:t>(b)</a:t>
-            </a:r>
-            <a:r>
-              <a:rPr lang="zh-TW" altLang="en-US" sz="4800" dirty="0"/>
-              <a:t> </a:t>
+              <a:t>Use </a:t>
             </a:r>
             <a:r>
               <a:rPr lang="en-US" altLang="zh-TW" sz="4800" dirty="0" smtClean="0"/>
-              <a:t>Use Cases</a:t>
+              <a:t>Cases</a:t>
             </a:r>
             <a:endParaRPr lang="zh-TW" altLang="en-US" sz="4800" dirty="0"/>
           </a:p>
@@ -6615,1732 +6615,1723 @@
       </p:sp>
       <p:grpSp>
         <p:nvGrpSpPr>
-          <p:cNvPr id="94" name="群組 93"/>
+          <p:cNvPr id="37" name="群組 36"/>
           <p:cNvGrpSpPr/>
           <p:nvPr/>
         </p:nvGrpSpPr>
         <p:grpSpPr>
           <a:xfrm>
-            <a:off x="4466493" y="603289"/>
-            <a:ext cx="6733711" cy="5986517"/>
-            <a:chOff x="4074961" y="200404"/>
-            <a:chExt cx="7740704" cy="6881771"/>
+            <a:off x="4470555" y="603289"/>
+            <a:ext cx="4535567" cy="2310704"/>
+            <a:chOff x="5715000" y="270139"/>
+            <a:chExt cx="5213838" cy="2656258"/>
           </a:xfrm>
         </p:grpSpPr>
-        <p:grpSp>
-          <p:nvGrpSpPr>
-            <p:cNvPr id="37" name="群組 36"/>
-            <p:cNvGrpSpPr/>
+        <p:sp>
+          <p:nvSpPr>
+            <p:cNvPr id="20" name="橢圓 19"/>
+            <p:cNvSpPr/>
             <p:nvPr/>
-          </p:nvGrpSpPr>
-          <p:grpSpPr>
+          </p:nvSpPr>
+          <p:spPr>
             <a:xfrm>
-              <a:off x="4079631" y="200404"/>
-              <a:ext cx="5213838" cy="2656258"/>
-              <a:chOff x="5715000" y="270139"/>
-              <a:chExt cx="5213838" cy="2656258"/>
+              <a:off x="5715000" y="293664"/>
+              <a:ext cx="1517572" cy="461181"/>
             </a:xfrm>
-          </p:grpSpPr>
-          <p:sp>
-            <p:nvSpPr>
-              <p:cNvPr id="20" name="橢圓 19"/>
-              <p:cNvSpPr/>
-              <p:nvPr/>
-            </p:nvSpPr>
-            <p:spPr>
-              <a:xfrm>
-                <a:off x="5715000" y="293664"/>
-                <a:ext cx="1517572" cy="461181"/>
-              </a:xfrm>
-              <a:prstGeom prst="ellipse">
-                <a:avLst/>
-              </a:prstGeom>
+            <a:prstGeom prst="ellipse">
+              <a:avLst/>
+            </a:prstGeom>
+            <a:solidFill>
+              <a:schemeClr val="accent3"/>
+            </a:solidFill>
+          </p:spPr>
+          <p:style>
+            <a:lnRef idx="2">
+              <a:schemeClr val="accent1">
+                <a:shade val="50000"/>
+              </a:schemeClr>
+            </a:lnRef>
+            <a:fillRef idx="1">
+              <a:schemeClr val="accent1"/>
+            </a:fillRef>
+            <a:effectRef idx="0">
+              <a:schemeClr val="accent1"/>
+            </a:effectRef>
+            <a:fontRef idx="minor">
+              <a:schemeClr val="lt1"/>
+            </a:fontRef>
+          </p:style>
+          <p:txBody>
+            <a:bodyPr rtlCol="0" anchor="ctr"/>
+            <a:lstStyle/>
+            <a:p>
+              <a:pPr algn="ctr"/>
+              <a:r>
+                <a:rPr lang="zh-TW" altLang="en-US" sz="1400" dirty="0" smtClean="0"/>
+                <a:t>收支</a:t>
+              </a:r>
+              <a:r>
+                <a:rPr lang="zh-TW" altLang="en-US" sz="1400" dirty="0"/>
+                <a:t>管理</a:t>
+              </a:r>
+            </a:p>
+          </p:txBody>
+        </p:sp>
+        <p:sp>
+          <p:nvSpPr>
+            <p:cNvPr id="43" name="橢圓 42"/>
+            <p:cNvSpPr/>
+            <p:nvPr/>
+          </p:nvSpPr>
+          <p:spPr>
+            <a:xfrm>
+              <a:off x="5715000" y="836552"/>
+              <a:ext cx="1517572" cy="461181"/>
+            </a:xfrm>
+            <a:prstGeom prst="ellipse">
+              <a:avLst/>
+            </a:prstGeom>
+            <a:solidFill>
+              <a:schemeClr val="accent3"/>
+            </a:solidFill>
+          </p:spPr>
+          <p:style>
+            <a:lnRef idx="2">
+              <a:schemeClr val="accent1">
+                <a:shade val="50000"/>
+              </a:schemeClr>
+            </a:lnRef>
+            <a:fillRef idx="1">
+              <a:schemeClr val="accent1"/>
+            </a:fillRef>
+            <a:effectRef idx="0">
+              <a:schemeClr val="accent1"/>
+            </a:effectRef>
+            <a:fontRef idx="minor">
+              <a:schemeClr val="lt1"/>
+            </a:fontRef>
+          </p:style>
+          <p:txBody>
+            <a:bodyPr rtlCol="0" anchor="ctr"/>
+            <a:lstStyle/>
+            <a:p>
+              <a:pPr algn="ctr"/>
+              <a:r>
+                <a:rPr lang="zh-TW" altLang="en-US" dirty="0" smtClean="0"/>
+                <a:t>日</a:t>
+              </a:r>
+              <a:r>
+                <a:rPr lang="zh-TW" altLang="en-US" dirty="0"/>
+                <a:t>曆</a:t>
+              </a:r>
+            </a:p>
+          </p:txBody>
+        </p:sp>
+        <p:sp>
+          <p:nvSpPr>
+            <p:cNvPr id="45" name="橢圓 44"/>
+            <p:cNvSpPr/>
+            <p:nvPr/>
+          </p:nvSpPr>
+          <p:spPr>
+            <a:xfrm>
+              <a:off x="8234270" y="293664"/>
+              <a:ext cx="2694568" cy="461181"/>
+            </a:xfrm>
+            <a:prstGeom prst="ellipse">
+              <a:avLst/>
+            </a:prstGeom>
+            <a:solidFill>
+              <a:schemeClr val="accent3"/>
+            </a:solidFill>
+          </p:spPr>
+          <p:style>
+            <a:lnRef idx="2">
+              <a:schemeClr val="accent1">
+                <a:shade val="50000"/>
+              </a:schemeClr>
+            </a:lnRef>
+            <a:fillRef idx="1">
+              <a:schemeClr val="accent1"/>
+            </a:fillRef>
+            <a:effectRef idx="0">
+              <a:schemeClr val="accent1"/>
+            </a:effectRef>
+            <a:fontRef idx="minor">
+              <a:schemeClr val="lt1"/>
+            </a:fontRef>
+          </p:style>
+          <p:txBody>
+            <a:bodyPr rtlCol="0" anchor="ctr"/>
+            <a:lstStyle/>
+            <a:p>
+              <a:pPr algn="ctr"/>
+              <a:r>
+                <a:rPr lang="zh-TW" altLang="en-US" sz="1400" dirty="0" smtClean="0"/>
+                <a:t>新增、修改、</a:t>
+              </a:r>
+              <a:r>
+                <a:rPr lang="zh-TW" altLang="en-US" sz="1400" dirty="0"/>
+                <a:t>刪除</a:t>
+              </a:r>
+            </a:p>
+          </p:txBody>
+        </p:sp>
+        <p:sp>
+          <p:nvSpPr>
+            <p:cNvPr id="47" name="橢圓 46"/>
+            <p:cNvSpPr/>
+            <p:nvPr/>
+          </p:nvSpPr>
+          <p:spPr>
+            <a:xfrm>
+              <a:off x="5715000" y="1379440"/>
+              <a:ext cx="1517572" cy="461181"/>
+            </a:xfrm>
+            <a:prstGeom prst="ellipse">
+              <a:avLst/>
+            </a:prstGeom>
+            <a:solidFill>
+              <a:schemeClr val="accent3"/>
+            </a:solidFill>
+          </p:spPr>
+          <p:style>
+            <a:lnRef idx="2">
+              <a:schemeClr val="accent1">
+                <a:shade val="50000"/>
+              </a:schemeClr>
+            </a:lnRef>
+            <a:fillRef idx="1">
+              <a:schemeClr val="accent1"/>
+            </a:fillRef>
+            <a:effectRef idx="0">
+              <a:schemeClr val="accent1"/>
+            </a:effectRef>
+            <a:fontRef idx="minor">
+              <a:schemeClr val="lt1"/>
+            </a:fontRef>
+          </p:style>
+          <p:txBody>
+            <a:bodyPr rtlCol="0" anchor="ctr"/>
+            <a:lstStyle/>
+            <a:p>
+              <a:pPr algn="ctr"/>
+              <a:r>
+                <a:rPr lang="zh-TW" altLang="en-US" dirty="0" smtClean="0"/>
+                <a:t>小算盤</a:t>
+              </a:r>
+              <a:endParaRPr lang="zh-TW" altLang="en-US" dirty="0"/>
+            </a:p>
+          </p:txBody>
+        </p:sp>
+        <p:sp>
+          <p:nvSpPr>
+            <p:cNvPr id="49" name="橢圓 48"/>
+            <p:cNvSpPr/>
+            <p:nvPr/>
+          </p:nvSpPr>
+          <p:spPr>
+            <a:xfrm>
+              <a:off x="5715000" y="1922328"/>
+              <a:ext cx="1517572" cy="461181"/>
+            </a:xfrm>
+            <a:prstGeom prst="ellipse">
+              <a:avLst/>
+            </a:prstGeom>
+            <a:solidFill>
+              <a:schemeClr val="accent3"/>
+            </a:solidFill>
+          </p:spPr>
+          <p:style>
+            <a:lnRef idx="2">
+              <a:schemeClr val="accent1">
+                <a:shade val="50000"/>
+              </a:schemeClr>
+            </a:lnRef>
+            <a:fillRef idx="1">
+              <a:schemeClr val="accent1"/>
+            </a:fillRef>
+            <a:effectRef idx="0">
+              <a:schemeClr val="accent1"/>
+            </a:effectRef>
+            <a:fontRef idx="minor">
+              <a:schemeClr val="lt1"/>
+            </a:fontRef>
+          </p:style>
+          <p:txBody>
+            <a:bodyPr rtlCol="0" anchor="ctr"/>
+            <a:lstStyle/>
+            <a:p>
+              <a:pPr algn="ctr"/>
+              <a:r>
+                <a:rPr lang="zh-TW" altLang="en-US" sz="1400" dirty="0" smtClean="0"/>
+                <a:t>定時提醒</a:t>
+              </a:r>
+              <a:endParaRPr lang="zh-TW" altLang="en-US" sz="1400" dirty="0"/>
+            </a:p>
+          </p:txBody>
+        </p:sp>
+        <p:sp>
+          <p:nvSpPr>
+            <p:cNvPr id="52" name="橢圓 51"/>
+            <p:cNvSpPr/>
+            <p:nvPr/>
+          </p:nvSpPr>
+          <p:spPr>
+            <a:xfrm>
+              <a:off x="8223915" y="1930400"/>
+              <a:ext cx="2033446" cy="461181"/>
+            </a:xfrm>
+            <a:prstGeom prst="ellipse">
+              <a:avLst/>
+            </a:prstGeom>
+            <a:solidFill>
+              <a:schemeClr val="accent3"/>
+            </a:solidFill>
+          </p:spPr>
+          <p:style>
+            <a:lnRef idx="2">
+              <a:schemeClr val="accent1">
+                <a:shade val="50000"/>
+              </a:schemeClr>
+            </a:lnRef>
+            <a:fillRef idx="1">
+              <a:schemeClr val="accent1"/>
+            </a:fillRef>
+            <a:effectRef idx="0">
+              <a:schemeClr val="accent1"/>
+            </a:effectRef>
+            <a:fontRef idx="minor">
+              <a:schemeClr val="lt1"/>
+            </a:fontRef>
+          </p:style>
+          <p:txBody>
+            <a:bodyPr rtlCol="0" anchor="ctr"/>
+            <a:lstStyle/>
+            <a:p>
+              <a:pPr algn="ctr"/>
+              <a:r>
+                <a:rPr lang="zh-TW" altLang="en-US" sz="1400" dirty="0" smtClean="0"/>
+                <a:t>自動增加提醒</a:t>
+              </a:r>
+              <a:endParaRPr lang="zh-TW" altLang="en-US" sz="1400" dirty="0"/>
+            </a:p>
+          </p:txBody>
+        </p:sp>
+        <p:sp>
+          <p:nvSpPr>
+            <p:cNvPr id="55" name="橢圓 54"/>
+            <p:cNvSpPr/>
+            <p:nvPr/>
+          </p:nvSpPr>
+          <p:spPr>
+            <a:xfrm>
+              <a:off x="5715000" y="2465216"/>
+              <a:ext cx="1517572" cy="461181"/>
+            </a:xfrm>
+            <a:prstGeom prst="ellipse">
+              <a:avLst/>
+            </a:prstGeom>
+            <a:solidFill>
+              <a:schemeClr val="accent3"/>
+            </a:solidFill>
+          </p:spPr>
+          <p:style>
+            <a:lnRef idx="2">
+              <a:schemeClr val="accent1">
+                <a:shade val="50000"/>
+              </a:schemeClr>
+            </a:lnRef>
+            <a:fillRef idx="1">
+              <a:schemeClr val="accent1"/>
+            </a:fillRef>
+            <a:effectRef idx="0">
+              <a:schemeClr val="accent1"/>
+            </a:effectRef>
+            <a:fontRef idx="minor">
+              <a:schemeClr val="lt1"/>
+            </a:fontRef>
+          </p:style>
+          <p:txBody>
+            <a:bodyPr rtlCol="0" anchor="ctr"/>
+            <a:lstStyle/>
+            <a:p>
+              <a:pPr algn="ctr"/>
+              <a:r>
+                <a:rPr lang="zh-TW" altLang="en-US" dirty="0" smtClean="0"/>
+                <a:t>設定檔</a:t>
+              </a:r>
+              <a:endParaRPr lang="zh-TW" altLang="en-US" dirty="0"/>
+            </a:p>
+          </p:txBody>
+        </p:sp>
+        <p:cxnSp>
+          <p:nvCxnSpPr>
+            <p:cNvPr id="22" name="直線接點 21"/>
+            <p:cNvCxnSpPr>
+              <a:stCxn id="20" idx="6"/>
+              <a:endCxn id="45" idx="2"/>
+            </p:cNvCxnSpPr>
+            <p:nvPr/>
+          </p:nvCxnSpPr>
+          <p:spPr>
+            <a:xfrm>
+              <a:off x="7232572" y="524254"/>
+              <a:ext cx="1001698" cy="0"/>
+            </a:xfrm>
+            <a:prstGeom prst="line">
+              <a:avLst/>
+            </a:prstGeom>
+            <a:ln w="9525" cap="flat" cmpd="sng" algn="ctr">
               <a:solidFill>
                 <a:schemeClr val="accent3"/>
               </a:solidFill>
-            </p:spPr>
-            <p:style>
-              <a:lnRef idx="2">
-                <a:schemeClr val="accent1">
-                  <a:shade val="50000"/>
-                </a:schemeClr>
-              </a:lnRef>
-              <a:fillRef idx="1">
-                <a:schemeClr val="accent1"/>
-              </a:fillRef>
-              <a:effectRef idx="0">
-                <a:schemeClr val="accent1"/>
-              </a:effectRef>
-              <a:fontRef idx="minor">
-                <a:schemeClr val="lt1"/>
-              </a:fontRef>
-            </p:style>
-            <p:txBody>
-              <a:bodyPr rtlCol="0" anchor="ctr"/>
-              <a:lstStyle/>
-              <a:p>
-                <a:pPr algn="ctr"/>
-                <a:r>
-                  <a:rPr lang="zh-TW" altLang="en-US" sz="1400" dirty="0" smtClean="0"/>
-                  <a:t>收支</a:t>
-                </a:r>
-                <a:r>
-                  <a:rPr lang="zh-TW" altLang="en-US" sz="1400" dirty="0"/>
-                  <a:t>管理</a:t>
-                </a:r>
-              </a:p>
-            </p:txBody>
-          </p:sp>
-          <p:sp>
-            <p:nvSpPr>
-              <p:cNvPr id="43" name="橢圓 42"/>
-              <p:cNvSpPr/>
-              <p:nvPr/>
-            </p:nvSpPr>
-            <p:spPr>
-              <a:xfrm>
-                <a:off x="5715000" y="836552"/>
-                <a:ext cx="1517572" cy="461181"/>
-              </a:xfrm>
-              <a:prstGeom prst="ellipse">
-                <a:avLst/>
-              </a:prstGeom>
+              <a:prstDash val="dash"/>
+              <a:round/>
+              <a:headEnd type="none" w="med" len="med"/>
+              <a:tailEnd type="none" w="med" len="med"/>
+            </a:ln>
+          </p:spPr>
+          <p:style>
+            <a:lnRef idx="0">
+              <a:scrgbClr r="0" g="0" b="0"/>
+            </a:lnRef>
+            <a:fillRef idx="0">
+              <a:scrgbClr r="0" g="0" b="0"/>
+            </a:fillRef>
+            <a:effectRef idx="0">
+              <a:scrgbClr r="0" g="0" b="0"/>
+            </a:effectRef>
+            <a:fontRef idx="minor">
+              <a:schemeClr val="tx1"/>
+            </a:fontRef>
+          </p:style>
+        </p:cxnSp>
+        <p:cxnSp>
+          <p:nvCxnSpPr>
+            <p:cNvPr id="56" name="直線接點 55"/>
+            <p:cNvCxnSpPr/>
+            <p:nvPr/>
+          </p:nvCxnSpPr>
+          <p:spPr>
+            <a:xfrm>
+              <a:off x="7232572" y="2151877"/>
+              <a:ext cx="1001698" cy="0"/>
+            </a:xfrm>
+            <a:prstGeom prst="line">
+              <a:avLst/>
+            </a:prstGeom>
+            <a:ln w="9525" cap="flat" cmpd="sng" algn="ctr">
               <a:solidFill>
                 <a:schemeClr val="accent3"/>
               </a:solidFill>
-            </p:spPr>
-            <p:style>
-              <a:lnRef idx="2">
-                <a:schemeClr val="accent1">
-                  <a:shade val="50000"/>
-                </a:schemeClr>
-              </a:lnRef>
-              <a:fillRef idx="1">
-                <a:schemeClr val="accent1"/>
-              </a:fillRef>
-              <a:effectRef idx="0">
-                <a:schemeClr val="accent1"/>
-              </a:effectRef>
-              <a:fontRef idx="minor">
-                <a:schemeClr val="lt1"/>
-              </a:fontRef>
-            </p:style>
-            <p:txBody>
-              <a:bodyPr rtlCol="0" anchor="ctr"/>
-              <a:lstStyle/>
-              <a:p>
-                <a:pPr algn="ctr"/>
-                <a:r>
-                  <a:rPr lang="zh-TW" altLang="en-US" dirty="0" smtClean="0"/>
-                  <a:t>日</a:t>
-                </a:r>
-                <a:r>
-                  <a:rPr lang="zh-TW" altLang="en-US" dirty="0"/>
-                  <a:t>曆</a:t>
-                </a:r>
-              </a:p>
-            </p:txBody>
-          </p:sp>
-          <p:sp>
-            <p:nvSpPr>
-              <p:cNvPr id="45" name="橢圓 44"/>
-              <p:cNvSpPr/>
-              <p:nvPr/>
-            </p:nvSpPr>
-            <p:spPr>
-              <a:xfrm>
-                <a:off x="8234270" y="293664"/>
-                <a:ext cx="2694568" cy="461181"/>
-              </a:xfrm>
-              <a:prstGeom prst="ellipse">
-                <a:avLst/>
-              </a:prstGeom>
-              <a:solidFill>
-                <a:schemeClr val="accent3"/>
-              </a:solidFill>
-            </p:spPr>
-            <p:style>
-              <a:lnRef idx="2">
-                <a:schemeClr val="accent1">
-                  <a:shade val="50000"/>
-                </a:schemeClr>
-              </a:lnRef>
-              <a:fillRef idx="1">
-                <a:schemeClr val="accent1"/>
-              </a:fillRef>
-              <a:effectRef idx="0">
-                <a:schemeClr val="accent1"/>
-              </a:effectRef>
-              <a:fontRef idx="minor">
-                <a:schemeClr val="lt1"/>
-              </a:fontRef>
-            </p:style>
-            <p:txBody>
-              <a:bodyPr rtlCol="0" anchor="ctr"/>
-              <a:lstStyle/>
-              <a:p>
-                <a:pPr algn="ctr"/>
-                <a:r>
-                  <a:rPr lang="zh-TW" altLang="en-US" sz="1400" dirty="0" smtClean="0"/>
-                  <a:t>新增、修改、</a:t>
-                </a:r>
-                <a:r>
-                  <a:rPr lang="zh-TW" altLang="en-US" sz="1400" dirty="0"/>
-                  <a:t>刪除</a:t>
-                </a:r>
-              </a:p>
-            </p:txBody>
-          </p:sp>
-          <p:sp>
-            <p:nvSpPr>
-              <p:cNvPr id="47" name="橢圓 46"/>
-              <p:cNvSpPr/>
-              <p:nvPr/>
-            </p:nvSpPr>
-            <p:spPr>
-              <a:xfrm>
-                <a:off x="5715000" y="1379440"/>
-                <a:ext cx="1517572" cy="461181"/>
-              </a:xfrm>
-              <a:prstGeom prst="ellipse">
-                <a:avLst/>
-              </a:prstGeom>
-              <a:solidFill>
-                <a:schemeClr val="accent3"/>
-              </a:solidFill>
-            </p:spPr>
-            <p:style>
-              <a:lnRef idx="2">
-                <a:schemeClr val="accent1">
-                  <a:shade val="50000"/>
-                </a:schemeClr>
-              </a:lnRef>
-              <a:fillRef idx="1">
-                <a:schemeClr val="accent1"/>
-              </a:fillRef>
-              <a:effectRef idx="0">
-                <a:schemeClr val="accent1"/>
-              </a:effectRef>
-              <a:fontRef idx="minor">
-                <a:schemeClr val="lt1"/>
-              </a:fontRef>
-            </p:style>
-            <p:txBody>
-              <a:bodyPr rtlCol="0" anchor="ctr"/>
-              <a:lstStyle/>
-              <a:p>
-                <a:pPr algn="ctr"/>
-                <a:r>
-                  <a:rPr lang="zh-TW" altLang="en-US" dirty="0" smtClean="0"/>
-                  <a:t>小算盤</a:t>
-                </a:r>
-                <a:endParaRPr lang="zh-TW" altLang="en-US" dirty="0"/>
-              </a:p>
-            </p:txBody>
-          </p:sp>
-          <p:sp>
-            <p:nvSpPr>
-              <p:cNvPr id="49" name="橢圓 48"/>
-              <p:cNvSpPr/>
-              <p:nvPr/>
-            </p:nvSpPr>
-            <p:spPr>
-              <a:xfrm>
-                <a:off x="5715000" y="1922328"/>
-                <a:ext cx="1517572" cy="461181"/>
-              </a:xfrm>
-              <a:prstGeom prst="ellipse">
-                <a:avLst/>
-              </a:prstGeom>
-              <a:solidFill>
-                <a:schemeClr val="accent3"/>
-              </a:solidFill>
-            </p:spPr>
-            <p:style>
-              <a:lnRef idx="2">
-                <a:schemeClr val="accent1">
-                  <a:shade val="50000"/>
-                </a:schemeClr>
-              </a:lnRef>
-              <a:fillRef idx="1">
-                <a:schemeClr val="accent1"/>
-              </a:fillRef>
-              <a:effectRef idx="0">
-                <a:schemeClr val="accent1"/>
-              </a:effectRef>
-              <a:fontRef idx="minor">
-                <a:schemeClr val="lt1"/>
-              </a:fontRef>
-            </p:style>
-            <p:txBody>
-              <a:bodyPr rtlCol="0" anchor="ctr"/>
-              <a:lstStyle/>
-              <a:p>
-                <a:pPr algn="ctr"/>
-                <a:r>
-                  <a:rPr lang="zh-TW" altLang="en-US" sz="1400" dirty="0" smtClean="0"/>
-                  <a:t>定時提醒</a:t>
-                </a:r>
-                <a:endParaRPr lang="zh-TW" altLang="en-US" sz="1400" dirty="0"/>
-              </a:p>
-            </p:txBody>
-          </p:sp>
-          <p:sp>
-            <p:nvSpPr>
-              <p:cNvPr id="52" name="橢圓 51"/>
-              <p:cNvSpPr/>
-              <p:nvPr/>
-            </p:nvSpPr>
-            <p:spPr>
-              <a:xfrm>
-                <a:off x="8223915" y="1930400"/>
-                <a:ext cx="2033446" cy="461181"/>
-              </a:xfrm>
-              <a:prstGeom prst="ellipse">
-                <a:avLst/>
-              </a:prstGeom>
-              <a:solidFill>
-                <a:schemeClr val="accent3"/>
-              </a:solidFill>
-            </p:spPr>
-            <p:style>
-              <a:lnRef idx="2">
-                <a:schemeClr val="accent1">
-                  <a:shade val="50000"/>
-                </a:schemeClr>
-              </a:lnRef>
-              <a:fillRef idx="1">
-                <a:schemeClr val="accent1"/>
-              </a:fillRef>
-              <a:effectRef idx="0">
-                <a:schemeClr val="accent1"/>
-              </a:effectRef>
-              <a:fontRef idx="minor">
-                <a:schemeClr val="lt1"/>
-              </a:fontRef>
-            </p:style>
-            <p:txBody>
-              <a:bodyPr rtlCol="0" anchor="ctr"/>
-              <a:lstStyle/>
-              <a:p>
-                <a:pPr algn="ctr"/>
-                <a:r>
-                  <a:rPr lang="zh-TW" altLang="en-US" sz="1400" dirty="0" smtClean="0"/>
-                  <a:t>自動增加提醒</a:t>
-                </a:r>
-                <a:endParaRPr lang="zh-TW" altLang="en-US" sz="1400" dirty="0"/>
-              </a:p>
-            </p:txBody>
-          </p:sp>
-          <p:sp>
-            <p:nvSpPr>
-              <p:cNvPr id="55" name="橢圓 54"/>
-              <p:cNvSpPr/>
-              <p:nvPr/>
-            </p:nvSpPr>
-            <p:spPr>
-              <a:xfrm>
-                <a:off x="5715000" y="2465216"/>
-                <a:ext cx="1517572" cy="461181"/>
-              </a:xfrm>
-              <a:prstGeom prst="ellipse">
-                <a:avLst/>
-              </a:prstGeom>
-              <a:solidFill>
-                <a:schemeClr val="accent3"/>
-              </a:solidFill>
-            </p:spPr>
-            <p:style>
-              <a:lnRef idx="2">
-                <a:schemeClr val="accent1">
-                  <a:shade val="50000"/>
-                </a:schemeClr>
-              </a:lnRef>
-              <a:fillRef idx="1">
-                <a:schemeClr val="accent1"/>
-              </a:fillRef>
-              <a:effectRef idx="0">
-                <a:schemeClr val="accent1"/>
-              </a:effectRef>
-              <a:fontRef idx="minor">
-                <a:schemeClr val="lt1"/>
-              </a:fontRef>
-            </p:style>
-            <p:txBody>
-              <a:bodyPr rtlCol="0" anchor="ctr"/>
-              <a:lstStyle/>
-              <a:p>
-                <a:pPr algn="ctr"/>
-                <a:r>
-                  <a:rPr lang="zh-TW" altLang="en-US" dirty="0" smtClean="0"/>
-                  <a:t>設定檔</a:t>
-                </a:r>
-                <a:endParaRPr lang="zh-TW" altLang="en-US" dirty="0"/>
-              </a:p>
-            </p:txBody>
-          </p:sp>
-          <p:cxnSp>
-            <p:nvCxnSpPr>
-              <p:cNvPr id="22" name="直線接點 21"/>
-              <p:cNvCxnSpPr>
-                <a:stCxn id="20" idx="6"/>
-                <a:endCxn id="45" idx="2"/>
-              </p:cNvCxnSpPr>
-              <p:nvPr/>
-            </p:nvCxnSpPr>
-            <p:spPr>
-              <a:xfrm>
-                <a:off x="7232572" y="524254"/>
-                <a:ext cx="1001698" cy="0"/>
-              </a:xfrm>
-              <a:prstGeom prst="line">
-                <a:avLst/>
-              </a:prstGeom>
-              <a:ln w="9525" cap="flat" cmpd="sng" algn="ctr">
+              <a:prstDash val="dash"/>
+              <a:round/>
+              <a:headEnd type="none" w="med" len="med"/>
+              <a:tailEnd type="none" w="med" len="med"/>
+            </a:ln>
+          </p:spPr>
+          <p:style>
+            <a:lnRef idx="0">
+              <a:scrgbClr r="0" g="0" b="0"/>
+            </a:lnRef>
+            <a:fillRef idx="0">
+              <a:scrgbClr r="0" g="0" b="0"/>
+            </a:fillRef>
+            <a:effectRef idx="0">
+              <a:scrgbClr r="0" g="0" b="0"/>
+            </a:effectRef>
+            <a:fontRef idx="minor">
+              <a:schemeClr val="tx1"/>
+            </a:fontRef>
+          </p:style>
+        </p:cxnSp>
+        <p:sp>
+          <p:nvSpPr>
+            <p:cNvPr id="23" name="文字方塊 22"/>
+            <p:cNvSpPr txBox="1"/>
+            <p:nvPr/>
+          </p:nvSpPr>
+          <p:spPr>
+            <a:xfrm>
+              <a:off x="7242927" y="1876697"/>
+              <a:ext cx="980988" cy="264652"/>
+            </a:xfrm>
+            <a:prstGeom prst="rect">
+              <a:avLst/>
+            </a:prstGeom>
+            <a:noFill/>
+          </p:spPr>
+          <p:txBody>
+            <a:bodyPr wrap="none" rtlCol="0">
+              <a:spAutoFit/>
+            </a:bodyPr>
+            <a:lstStyle/>
+            <a:p>
+              <a:r>
+                <a:rPr lang="en-US" altLang="zh-TW" sz="1400" dirty="0" smtClean="0">
+                  <a:solidFill>
+                    <a:schemeClr val="accent3"/>
+                  </a:solidFill>
+                </a:rPr>
+                <a:t>&lt;&lt;include&gt;&gt;</a:t>
+              </a:r>
+              <a:endParaRPr lang="zh-TW" altLang="en-US" sz="1400" dirty="0">
                 <a:solidFill>
                   <a:schemeClr val="accent3"/>
                 </a:solidFill>
-                <a:prstDash val="dash"/>
-                <a:round/>
-                <a:headEnd type="none" w="med" len="med"/>
-                <a:tailEnd type="none" w="med" len="med"/>
-              </a:ln>
-            </p:spPr>
-            <p:style>
-              <a:lnRef idx="0">
-                <a:scrgbClr r="0" g="0" b="0"/>
-              </a:lnRef>
-              <a:fillRef idx="0">
-                <a:scrgbClr r="0" g="0" b="0"/>
-              </a:fillRef>
-              <a:effectRef idx="0">
-                <a:scrgbClr r="0" g="0" b="0"/>
-              </a:effectRef>
-              <a:fontRef idx="minor">
-                <a:schemeClr val="tx1"/>
-              </a:fontRef>
-            </p:style>
-          </p:cxnSp>
-          <p:cxnSp>
-            <p:nvCxnSpPr>
-              <p:cNvPr id="56" name="直線接點 55"/>
-              <p:cNvCxnSpPr/>
-              <p:nvPr/>
-            </p:nvCxnSpPr>
-            <p:spPr>
-              <a:xfrm>
-                <a:off x="7232572" y="2151877"/>
-                <a:ext cx="1001698" cy="0"/>
-              </a:xfrm>
-              <a:prstGeom prst="line">
-                <a:avLst/>
-              </a:prstGeom>
-              <a:ln w="9525" cap="flat" cmpd="sng" algn="ctr">
+              </a:endParaRPr>
+            </a:p>
+          </p:txBody>
+        </p:sp>
+        <p:sp>
+          <p:nvSpPr>
+            <p:cNvPr id="57" name="文字方塊 56"/>
+            <p:cNvSpPr txBox="1"/>
+            <p:nvPr/>
+          </p:nvSpPr>
+          <p:spPr>
+            <a:xfrm>
+              <a:off x="7242927" y="270139"/>
+              <a:ext cx="980988" cy="264652"/>
+            </a:xfrm>
+            <a:prstGeom prst="rect">
+              <a:avLst/>
+            </a:prstGeom>
+            <a:noFill/>
+          </p:spPr>
+          <p:txBody>
+            <a:bodyPr wrap="none" rtlCol="0">
+              <a:spAutoFit/>
+            </a:bodyPr>
+            <a:lstStyle/>
+            <a:p>
+              <a:r>
+                <a:rPr lang="en-US" altLang="zh-TW" sz="1400" dirty="0" smtClean="0">
+                  <a:solidFill>
+                    <a:schemeClr val="accent3"/>
+                  </a:solidFill>
+                </a:rPr>
+                <a:t>&lt;&lt;include&gt;&gt;</a:t>
+              </a:r>
+              <a:endParaRPr lang="zh-TW" altLang="en-US" sz="1400" dirty="0">
                 <a:solidFill>
                   <a:schemeClr val="accent3"/>
                 </a:solidFill>
-                <a:prstDash val="dash"/>
-                <a:round/>
-                <a:headEnd type="none" w="med" len="med"/>
-                <a:tailEnd type="none" w="med" len="med"/>
-              </a:ln>
-            </p:spPr>
-            <p:style>
-              <a:lnRef idx="0">
-                <a:scrgbClr r="0" g="0" b="0"/>
-              </a:lnRef>
-              <a:fillRef idx="0">
-                <a:scrgbClr r="0" g="0" b="0"/>
-              </a:fillRef>
-              <a:effectRef idx="0">
-                <a:scrgbClr r="0" g="0" b="0"/>
-              </a:effectRef>
-              <a:fontRef idx="minor">
-                <a:schemeClr val="tx1"/>
-              </a:fontRef>
-            </p:style>
-          </p:cxnSp>
-          <p:sp>
-            <p:nvSpPr>
-              <p:cNvPr id="23" name="文字方塊 22"/>
-              <p:cNvSpPr txBox="1"/>
-              <p:nvPr/>
-            </p:nvSpPr>
-            <p:spPr>
-              <a:xfrm>
-                <a:off x="7242927" y="1876697"/>
-                <a:ext cx="980988" cy="264652"/>
-              </a:xfrm>
-              <a:prstGeom prst="rect">
-                <a:avLst/>
-              </a:prstGeom>
-              <a:noFill/>
-            </p:spPr>
-            <p:txBody>
-              <a:bodyPr wrap="none" rtlCol="0">
-                <a:spAutoFit/>
-              </a:bodyPr>
-              <a:lstStyle/>
-              <a:p>
-                <a:r>
-                  <a:rPr lang="en-US" altLang="zh-TW" sz="1400" dirty="0" smtClean="0">
-                    <a:solidFill>
-                      <a:schemeClr val="accent3"/>
-                    </a:solidFill>
-                  </a:rPr>
-                  <a:t>&lt;&lt;include&gt;&gt;</a:t>
-                </a:r>
-                <a:endParaRPr lang="zh-TW" altLang="en-US" sz="1400" dirty="0">
-                  <a:solidFill>
-                    <a:schemeClr val="accent3"/>
-                  </a:solidFill>
-                </a:endParaRPr>
-              </a:p>
-            </p:txBody>
-          </p:sp>
-          <p:sp>
-            <p:nvSpPr>
-              <p:cNvPr id="57" name="文字方塊 56"/>
-              <p:cNvSpPr txBox="1"/>
-              <p:nvPr/>
-            </p:nvSpPr>
-            <p:spPr>
-              <a:xfrm>
-                <a:off x="7242927" y="270139"/>
-                <a:ext cx="980988" cy="264652"/>
-              </a:xfrm>
-              <a:prstGeom prst="rect">
-                <a:avLst/>
-              </a:prstGeom>
-              <a:noFill/>
-            </p:spPr>
-            <p:txBody>
-              <a:bodyPr wrap="none" rtlCol="0">
-                <a:spAutoFit/>
-              </a:bodyPr>
-              <a:lstStyle/>
-              <a:p>
-                <a:r>
-                  <a:rPr lang="en-US" altLang="zh-TW" sz="1400" dirty="0" smtClean="0">
-                    <a:solidFill>
-                      <a:schemeClr val="accent3"/>
-                    </a:solidFill>
-                  </a:rPr>
-                  <a:t>&lt;&lt;include&gt;&gt;</a:t>
-                </a:r>
-                <a:endParaRPr lang="zh-TW" altLang="en-US" sz="1400" dirty="0">
-                  <a:solidFill>
-                    <a:schemeClr val="accent3"/>
-                  </a:solidFill>
-                </a:endParaRPr>
-              </a:p>
-            </p:txBody>
-          </p:sp>
-        </p:grpSp>
-        <p:grpSp>
-          <p:nvGrpSpPr>
-            <p:cNvPr id="70" name="群組 69"/>
-            <p:cNvGrpSpPr/>
+              </a:endParaRPr>
+            </a:p>
+          </p:txBody>
+        </p:sp>
+      </p:grpSp>
+      <p:grpSp>
+        <p:nvGrpSpPr>
+          <p:cNvPr id="70" name="群組 69"/>
+          <p:cNvGrpSpPr/>
+          <p:nvPr/>
+        </p:nvGrpSpPr>
+        <p:grpSpPr>
+          <a:xfrm>
+            <a:off x="4468010" y="3662905"/>
+            <a:ext cx="4538112" cy="1476647"/>
+            <a:chOff x="5715000" y="3243691"/>
+            <a:chExt cx="5216764" cy="1697472"/>
+          </a:xfrm>
+        </p:grpSpPr>
+        <p:sp>
+          <p:nvSpPr>
+            <p:cNvPr id="58" name="橢圓 57"/>
+            <p:cNvSpPr/>
             <p:nvPr/>
-          </p:nvGrpSpPr>
-          <p:grpSpPr>
+          </p:nvSpPr>
+          <p:spPr>
             <a:xfrm>
-              <a:off x="4076705" y="3717570"/>
-              <a:ext cx="5216764" cy="1697472"/>
-              <a:chOff x="5715000" y="3243691"/>
-              <a:chExt cx="5216764" cy="1697472"/>
+              <a:off x="5715000" y="3287274"/>
+              <a:ext cx="1517572" cy="461181"/>
             </a:xfrm>
-          </p:grpSpPr>
-          <p:sp>
-            <p:nvSpPr>
-              <p:cNvPr id="58" name="橢圓 57"/>
-              <p:cNvSpPr/>
-              <p:nvPr/>
-            </p:nvSpPr>
-            <p:spPr>
-              <a:xfrm>
-                <a:off x="5715000" y="3287274"/>
-                <a:ext cx="1517572" cy="461181"/>
-              </a:xfrm>
-              <a:prstGeom prst="ellipse">
-                <a:avLst/>
-              </a:prstGeom>
-              <a:solidFill>
-                <a:schemeClr val="accent1"/>
-              </a:solidFill>
-            </p:spPr>
-            <p:style>
-              <a:lnRef idx="2">
-                <a:schemeClr val="accent1">
-                  <a:shade val="50000"/>
-                </a:schemeClr>
-              </a:lnRef>
-              <a:fillRef idx="1">
-                <a:schemeClr val="accent1"/>
-              </a:fillRef>
-              <a:effectRef idx="0">
-                <a:schemeClr val="accent1"/>
-              </a:effectRef>
-              <a:fontRef idx="minor">
-                <a:schemeClr val="lt1"/>
-              </a:fontRef>
-            </p:style>
-            <p:txBody>
-              <a:bodyPr rtlCol="0" anchor="ctr"/>
-              <a:lstStyle/>
-              <a:p>
-                <a:pPr algn="ctr"/>
-                <a:r>
-                  <a:rPr lang="zh-TW" altLang="en-US" sz="1400" dirty="0"/>
-                  <a:t>分類統計</a:t>
-                </a:r>
-              </a:p>
-            </p:txBody>
-          </p:sp>
-          <p:sp>
-            <p:nvSpPr>
-              <p:cNvPr id="60" name="橢圓 59"/>
-              <p:cNvSpPr/>
-              <p:nvPr/>
-            </p:nvSpPr>
-            <p:spPr>
-              <a:xfrm>
-                <a:off x="5715000" y="3883628"/>
-                <a:ext cx="1517572" cy="461181"/>
-              </a:xfrm>
-              <a:prstGeom prst="ellipse">
-                <a:avLst/>
-              </a:prstGeom>
-              <a:solidFill>
-                <a:schemeClr val="accent1"/>
-              </a:solidFill>
-            </p:spPr>
-            <p:style>
-              <a:lnRef idx="2">
-                <a:schemeClr val="accent1">
-                  <a:shade val="50000"/>
-                </a:schemeClr>
-              </a:lnRef>
-              <a:fillRef idx="1">
-                <a:schemeClr val="accent1"/>
-              </a:fillRef>
-              <a:effectRef idx="0">
-                <a:schemeClr val="accent1"/>
-              </a:effectRef>
-              <a:fontRef idx="minor">
-                <a:schemeClr val="lt1"/>
-              </a:fontRef>
-            </p:style>
-            <p:txBody>
-              <a:bodyPr rtlCol="0" anchor="ctr"/>
-              <a:lstStyle/>
-              <a:p>
-                <a:pPr algn="ctr"/>
-                <a:r>
-                  <a:rPr lang="zh-TW" altLang="en-US" sz="1200" dirty="0" smtClean="0"/>
-                  <a:t>統計</a:t>
-                </a:r>
-                <a:endParaRPr lang="en-US" altLang="zh-TW" sz="1200" dirty="0" smtClean="0"/>
-              </a:p>
-              <a:p>
-                <a:pPr algn="ctr"/>
-                <a:r>
-                  <a:rPr lang="zh-TW" altLang="en-US" sz="1200" dirty="0" smtClean="0"/>
-                  <a:t>顯示</a:t>
-                </a:r>
-                <a:r>
-                  <a:rPr lang="zh-TW" altLang="en-US" sz="1200" dirty="0"/>
-                  <a:t>方式</a:t>
-                </a:r>
-              </a:p>
-            </p:txBody>
-          </p:sp>
-          <p:sp>
-            <p:nvSpPr>
-              <p:cNvPr id="61" name="橢圓 60"/>
-              <p:cNvSpPr/>
-              <p:nvPr/>
-            </p:nvSpPr>
-            <p:spPr>
-              <a:xfrm>
-                <a:off x="5715000" y="4479982"/>
-                <a:ext cx="1517572" cy="461181"/>
-              </a:xfrm>
-              <a:prstGeom prst="ellipse">
-                <a:avLst/>
-              </a:prstGeom>
-              <a:solidFill>
-                <a:schemeClr val="accent1"/>
-              </a:solidFill>
-            </p:spPr>
-            <p:style>
-              <a:lnRef idx="2">
-                <a:schemeClr val="accent1">
-                  <a:shade val="50000"/>
-                </a:schemeClr>
-              </a:lnRef>
-              <a:fillRef idx="1">
-                <a:schemeClr val="accent1"/>
-              </a:fillRef>
-              <a:effectRef idx="0">
-                <a:schemeClr val="accent1"/>
-              </a:effectRef>
-              <a:fontRef idx="minor">
-                <a:schemeClr val="lt1"/>
-              </a:fontRef>
-            </p:style>
-            <p:txBody>
-              <a:bodyPr rtlCol="0" anchor="ctr"/>
-              <a:lstStyle/>
-              <a:p>
-                <a:pPr algn="ctr"/>
-                <a:r>
-                  <a:rPr lang="zh-TW" altLang="en-US" sz="1400" dirty="0"/>
-                  <a:t>帳戶管理</a:t>
-                </a:r>
-              </a:p>
-            </p:txBody>
-          </p:sp>
-          <p:sp>
-            <p:nvSpPr>
-              <p:cNvPr id="62" name="橢圓 61"/>
-              <p:cNvSpPr/>
-              <p:nvPr/>
-            </p:nvSpPr>
-            <p:spPr>
-              <a:xfrm>
-                <a:off x="8237196" y="3287274"/>
-                <a:ext cx="2694568" cy="461181"/>
-              </a:xfrm>
-              <a:prstGeom prst="ellipse">
-                <a:avLst/>
-              </a:prstGeom>
-              <a:solidFill>
-                <a:schemeClr val="accent1"/>
-              </a:solidFill>
-            </p:spPr>
-            <p:style>
-              <a:lnRef idx="2">
-                <a:schemeClr val="accent1">
-                  <a:shade val="50000"/>
-                </a:schemeClr>
-              </a:lnRef>
-              <a:fillRef idx="1">
-                <a:schemeClr val="accent1"/>
-              </a:fillRef>
-              <a:effectRef idx="0">
-                <a:schemeClr val="accent1"/>
-              </a:effectRef>
-              <a:fontRef idx="minor">
-                <a:schemeClr val="lt1"/>
-              </a:fontRef>
-            </p:style>
-            <p:txBody>
-              <a:bodyPr rtlCol="0" anchor="ctr"/>
-              <a:lstStyle/>
-              <a:p>
-                <a:pPr algn="ctr"/>
-                <a:r>
-                  <a:rPr lang="zh-TW" altLang="en-US" sz="1200" dirty="0"/>
-                  <a:t>食衣住行</a:t>
-                </a:r>
-                <a:r>
-                  <a:rPr lang="zh-TW" altLang="en-US" sz="1200" dirty="0" smtClean="0"/>
-                  <a:t>育樂</a:t>
-                </a:r>
-                <a:endParaRPr lang="en-US" altLang="zh-TW" sz="1200" dirty="0" smtClean="0"/>
-              </a:p>
-              <a:p>
-                <a:pPr algn="ctr"/>
-                <a:r>
-                  <a:rPr lang="zh-TW" altLang="en-US" sz="1200" dirty="0" smtClean="0"/>
-                  <a:t>各項</a:t>
-                </a:r>
-                <a:r>
-                  <a:rPr lang="zh-TW" altLang="en-US" sz="1200" dirty="0"/>
-                  <a:t>支出、收入</a:t>
-                </a:r>
-                <a:endParaRPr lang="zh-TW" altLang="en-US" sz="1100" dirty="0"/>
-              </a:p>
-            </p:txBody>
-          </p:sp>
-          <p:sp>
-            <p:nvSpPr>
-              <p:cNvPr id="63" name="橢圓 62"/>
-              <p:cNvSpPr/>
-              <p:nvPr/>
-            </p:nvSpPr>
-            <p:spPr>
-              <a:xfrm>
-                <a:off x="8234270" y="3883628"/>
-                <a:ext cx="2694568" cy="461181"/>
-              </a:xfrm>
-              <a:prstGeom prst="ellipse">
-                <a:avLst/>
-              </a:prstGeom>
-              <a:solidFill>
-                <a:schemeClr val="accent1"/>
-              </a:solidFill>
-            </p:spPr>
-            <p:style>
-              <a:lnRef idx="2">
-                <a:schemeClr val="accent1">
-                  <a:shade val="50000"/>
-                </a:schemeClr>
-              </a:lnRef>
-              <a:fillRef idx="1">
-                <a:schemeClr val="accent1"/>
-              </a:fillRef>
-              <a:effectRef idx="0">
-                <a:schemeClr val="accent1"/>
-              </a:effectRef>
-              <a:fontRef idx="minor">
-                <a:schemeClr val="lt1"/>
-              </a:fontRef>
-            </p:style>
-            <p:txBody>
-              <a:bodyPr rtlCol="0" anchor="ctr"/>
-              <a:lstStyle/>
-              <a:p>
-                <a:pPr algn="ctr"/>
-                <a:r>
-                  <a:rPr lang="zh-TW" altLang="en-US" sz="1600" dirty="0"/>
-                  <a:t>圓餅圖或直方圖</a:t>
-                </a:r>
-                <a:endParaRPr lang="zh-TW" altLang="en-US" sz="1400" dirty="0"/>
-              </a:p>
-            </p:txBody>
-          </p:sp>
-          <p:sp>
-            <p:nvSpPr>
-              <p:cNvPr id="64" name="橢圓 63"/>
-              <p:cNvSpPr/>
-              <p:nvPr/>
-            </p:nvSpPr>
-            <p:spPr>
-              <a:xfrm>
-                <a:off x="8223915" y="4479981"/>
-                <a:ext cx="2694568" cy="461181"/>
-              </a:xfrm>
-              <a:prstGeom prst="ellipse">
-                <a:avLst/>
-              </a:prstGeom>
-              <a:solidFill>
-                <a:schemeClr val="accent1"/>
-              </a:solidFill>
-            </p:spPr>
-            <p:style>
-              <a:lnRef idx="2">
-                <a:schemeClr val="accent1">
-                  <a:shade val="50000"/>
-                </a:schemeClr>
-              </a:lnRef>
-              <a:fillRef idx="1">
-                <a:schemeClr val="accent1"/>
-              </a:fillRef>
-              <a:effectRef idx="0">
-                <a:schemeClr val="accent1"/>
-              </a:effectRef>
-              <a:fontRef idx="minor">
-                <a:schemeClr val="lt1"/>
-              </a:fontRef>
-            </p:style>
-            <p:txBody>
-              <a:bodyPr rtlCol="0" anchor="ctr"/>
-              <a:lstStyle/>
-              <a:p>
-                <a:pPr algn="ctr"/>
-                <a:r>
-                  <a:rPr lang="zh-TW" altLang="en-US" sz="1100" dirty="0"/>
-                  <a:t>現金、信用卡、悠遊</a:t>
-                </a:r>
-                <a:r>
-                  <a:rPr lang="zh-TW" altLang="en-US" sz="1100" dirty="0" smtClean="0"/>
-                  <a:t>卡</a:t>
-                </a:r>
-                <a:r>
-                  <a:rPr lang="en-US" altLang="zh-TW" sz="1100" dirty="0" smtClean="0"/>
-                  <a:t>…</a:t>
-                </a:r>
-                <a:r>
-                  <a:rPr lang="zh-TW" altLang="en-US" sz="1100" dirty="0" smtClean="0"/>
-                  <a:t>新增</a:t>
-                </a:r>
-                <a:r>
-                  <a:rPr lang="zh-TW" altLang="en-US" sz="1100" dirty="0"/>
-                  <a:t>、修改、刪除</a:t>
-                </a:r>
-                <a:endParaRPr lang="zh-TW" altLang="en-US" sz="1050" dirty="0"/>
-              </a:p>
-            </p:txBody>
-          </p:sp>
-          <p:cxnSp>
-            <p:nvCxnSpPr>
-              <p:cNvPr id="26" name="直線接點 25"/>
-              <p:cNvCxnSpPr>
-                <a:stCxn id="58" idx="6"/>
-                <a:endCxn id="62" idx="2"/>
-              </p:cNvCxnSpPr>
-              <p:nvPr/>
-            </p:nvCxnSpPr>
-            <p:spPr>
-              <a:xfrm>
-                <a:off x="7232572" y="3517865"/>
-                <a:ext cx="1004624" cy="0"/>
-              </a:xfrm>
-              <a:prstGeom prst="line">
-                <a:avLst/>
-              </a:prstGeom>
-            </p:spPr>
-            <p:style>
-              <a:lnRef idx="1">
-                <a:schemeClr val="accent1"/>
-              </a:lnRef>
-              <a:fillRef idx="0">
-                <a:schemeClr val="accent1"/>
-              </a:fillRef>
-              <a:effectRef idx="0">
-                <a:schemeClr val="accent1"/>
-              </a:effectRef>
-              <a:fontRef idx="minor">
-                <a:schemeClr val="tx1"/>
-              </a:fontRef>
-            </p:style>
-          </p:cxnSp>
-          <p:sp>
-            <p:nvSpPr>
-              <p:cNvPr id="65" name="文字方塊 64"/>
-              <p:cNvSpPr txBox="1"/>
-              <p:nvPr/>
-            </p:nvSpPr>
-            <p:spPr>
-              <a:xfrm>
-                <a:off x="7166727" y="3243691"/>
-                <a:ext cx="1148071" cy="307777"/>
-              </a:xfrm>
-              <a:prstGeom prst="rect">
-                <a:avLst/>
-              </a:prstGeom>
-              <a:noFill/>
-            </p:spPr>
-            <p:txBody>
-              <a:bodyPr wrap="none" rtlCol="0">
-                <a:spAutoFit/>
-              </a:bodyPr>
-              <a:lstStyle/>
-              <a:p>
-                <a:r>
-                  <a:rPr lang="en-US" altLang="zh-TW" sz="1400" dirty="0" smtClean="0">
-                    <a:solidFill>
-                      <a:schemeClr val="accent1"/>
-                    </a:solidFill>
-                  </a:rPr>
-                  <a:t>&lt;&lt;include&gt;&gt;</a:t>
-                </a:r>
-                <a:endParaRPr lang="zh-TW" altLang="en-US" sz="1400" dirty="0">
+            <a:prstGeom prst="ellipse">
+              <a:avLst/>
+            </a:prstGeom>
+            <a:solidFill>
+              <a:schemeClr val="accent1"/>
+            </a:solidFill>
+          </p:spPr>
+          <p:style>
+            <a:lnRef idx="2">
+              <a:schemeClr val="accent1">
+                <a:shade val="50000"/>
+              </a:schemeClr>
+            </a:lnRef>
+            <a:fillRef idx="1">
+              <a:schemeClr val="accent1"/>
+            </a:fillRef>
+            <a:effectRef idx="0">
+              <a:schemeClr val="accent1"/>
+            </a:effectRef>
+            <a:fontRef idx="minor">
+              <a:schemeClr val="lt1"/>
+            </a:fontRef>
+          </p:style>
+          <p:txBody>
+            <a:bodyPr rtlCol="0" anchor="ctr"/>
+            <a:lstStyle/>
+            <a:p>
+              <a:pPr algn="ctr"/>
+              <a:r>
+                <a:rPr lang="zh-TW" altLang="en-US" sz="1400" dirty="0"/>
+                <a:t>分類統計</a:t>
+              </a:r>
+            </a:p>
+          </p:txBody>
+        </p:sp>
+        <p:sp>
+          <p:nvSpPr>
+            <p:cNvPr id="60" name="橢圓 59"/>
+            <p:cNvSpPr/>
+            <p:nvPr/>
+          </p:nvSpPr>
+          <p:spPr>
+            <a:xfrm>
+              <a:off x="5715000" y="3883628"/>
+              <a:ext cx="1517572" cy="461181"/>
+            </a:xfrm>
+            <a:prstGeom prst="ellipse">
+              <a:avLst/>
+            </a:prstGeom>
+            <a:solidFill>
+              <a:schemeClr val="accent1"/>
+            </a:solidFill>
+          </p:spPr>
+          <p:style>
+            <a:lnRef idx="2">
+              <a:schemeClr val="accent1">
+                <a:shade val="50000"/>
+              </a:schemeClr>
+            </a:lnRef>
+            <a:fillRef idx="1">
+              <a:schemeClr val="accent1"/>
+            </a:fillRef>
+            <a:effectRef idx="0">
+              <a:schemeClr val="accent1"/>
+            </a:effectRef>
+            <a:fontRef idx="minor">
+              <a:schemeClr val="lt1"/>
+            </a:fontRef>
+          </p:style>
+          <p:txBody>
+            <a:bodyPr rtlCol="0" anchor="ctr"/>
+            <a:lstStyle/>
+            <a:p>
+              <a:pPr algn="ctr"/>
+              <a:r>
+                <a:rPr lang="zh-TW" altLang="en-US" sz="1200" dirty="0" smtClean="0"/>
+                <a:t>統計</a:t>
+              </a:r>
+              <a:endParaRPr lang="en-US" altLang="zh-TW" sz="1200" dirty="0" smtClean="0"/>
+            </a:p>
+            <a:p>
+              <a:pPr algn="ctr"/>
+              <a:r>
+                <a:rPr lang="zh-TW" altLang="en-US" sz="1200" dirty="0" smtClean="0"/>
+                <a:t>顯示</a:t>
+              </a:r>
+              <a:r>
+                <a:rPr lang="zh-TW" altLang="en-US" sz="1200" dirty="0"/>
+                <a:t>方式</a:t>
+              </a:r>
+            </a:p>
+          </p:txBody>
+        </p:sp>
+        <p:sp>
+          <p:nvSpPr>
+            <p:cNvPr id="61" name="橢圓 60"/>
+            <p:cNvSpPr/>
+            <p:nvPr/>
+          </p:nvSpPr>
+          <p:spPr>
+            <a:xfrm>
+              <a:off x="5715000" y="4479982"/>
+              <a:ext cx="1517572" cy="461181"/>
+            </a:xfrm>
+            <a:prstGeom prst="ellipse">
+              <a:avLst/>
+            </a:prstGeom>
+            <a:solidFill>
+              <a:schemeClr val="accent1"/>
+            </a:solidFill>
+          </p:spPr>
+          <p:style>
+            <a:lnRef idx="2">
+              <a:schemeClr val="accent1">
+                <a:shade val="50000"/>
+              </a:schemeClr>
+            </a:lnRef>
+            <a:fillRef idx="1">
+              <a:schemeClr val="accent1"/>
+            </a:fillRef>
+            <a:effectRef idx="0">
+              <a:schemeClr val="accent1"/>
+            </a:effectRef>
+            <a:fontRef idx="minor">
+              <a:schemeClr val="lt1"/>
+            </a:fontRef>
+          </p:style>
+          <p:txBody>
+            <a:bodyPr rtlCol="0" anchor="ctr"/>
+            <a:lstStyle/>
+            <a:p>
+              <a:pPr algn="ctr"/>
+              <a:r>
+                <a:rPr lang="zh-TW" altLang="en-US" sz="1400" dirty="0"/>
+                <a:t>帳戶管理</a:t>
+              </a:r>
+            </a:p>
+          </p:txBody>
+        </p:sp>
+        <p:sp>
+          <p:nvSpPr>
+            <p:cNvPr id="62" name="橢圓 61"/>
+            <p:cNvSpPr/>
+            <p:nvPr/>
+          </p:nvSpPr>
+          <p:spPr>
+            <a:xfrm>
+              <a:off x="8237196" y="3287274"/>
+              <a:ext cx="2694568" cy="461181"/>
+            </a:xfrm>
+            <a:prstGeom prst="ellipse">
+              <a:avLst/>
+            </a:prstGeom>
+            <a:solidFill>
+              <a:schemeClr val="accent1"/>
+            </a:solidFill>
+          </p:spPr>
+          <p:style>
+            <a:lnRef idx="2">
+              <a:schemeClr val="accent1">
+                <a:shade val="50000"/>
+              </a:schemeClr>
+            </a:lnRef>
+            <a:fillRef idx="1">
+              <a:schemeClr val="accent1"/>
+            </a:fillRef>
+            <a:effectRef idx="0">
+              <a:schemeClr val="accent1"/>
+            </a:effectRef>
+            <a:fontRef idx="minor">
+              <a:schemeClr val="lt1"/>
+            </a:fontRef>
+          </p:style>
+          <p:txBody>
+            <a:bodyPr rtlCol="0" anchor="ctr"/>
+            <a:lstStyle/>
+            <a:p>
+              <a:pPr algn="ctr"/>
+              <a:r>
+                <a:rPr lang="zh-TW" altLang="en-US" sz="1200" dirty="0"/>
+                <a:t>食衣住行</a:t>
+              </a:r>
+              <a:r>
+                <a:rPr lang="zh-TW" altLang="en-US" sz="1200" dirty="0" smtClean="0"/>
+                <a:t>育樂</a:t>
+              </a:r>
+              <a:endParaRPr lang="en-US" altLang="zh-TW" sz="1200" dirty="0" smtClean="0"/>
+            </a:p>
+            <a:p>
+              <a:pPr algn="ctr"/>
+              <a:r>
+                <a:rPr lang="zh-TW" altLang="en-US" sz="1200" dirty="0" smtClean="0"/>
+                <a:t>各項</a:t>
+              </a:r>
+              <a:r>
+                <a:rPr lang="zh-TW" altLang="en-US" sz="1200" dirty="0"/>
+                <a:t>支出、收入</a:t>
+              </a:r>
+              <a:endParaRPr lang="zh-TW" altLang="en-US" sz="1100" dirty="0"/>
+            </a:p>
+          </p:txBody>
+        </p:sp>
+        <p:sp>
+          <p:nvSpPr>
+            <p:cNvPr id="63" name="橢圓 62"/>
+            <p:cNvSpPr/>
+            <p:nvPr/>
+          </p:nvSpPr>
+          <p:spPr>
+            <a:xfrm>
+              <a:off x="8234270" y="3883628"/>
+              <a:ext cx="2694568" cy="461181"/>
+            </a:xfrm>
+            <a:prstGeom prst="ellipse">
+              <a:avLst/>
+            </a:prstGeom>
+            <a:solidFill>
+              <a:schemeClr val="accent1"/>
+            </a:solidFill>
+          </p:spPr>
+          <p:style>
+            <a:lnRef idx="2">
+              <a:schemeClr val="accent1">
+                <a:shade val="50000"/>
+              </a:schemeClr>
+            </a:lnRef>
+            <a:fillRef idx="1">
+              <a:schemeClr val="accent1"/>
+            </a:fillRef>
+            <a:effectRef idx="0">
+              <a:schemeClr val="accent1"/>
+            </a:effectRef>
+            <a:fontRef idx="minor">
+              <a:schemeClr val="lt1"/>
+            </a:fontRef>
+          </p:style>
+          <p:txBody>
+            <a:bodyPr rtlCol="0" anchor="ctr"/>
+            <a:lstStyle/>
+            <a:p>
+              <a:pPr algn="ctr"/>
+              <a:r>
+                <a:rPr lang="zh-TW" altLang="en-US" sz="1600" dirty="0"/>
+                <a:t>圓餅圖或直方圖</a:t>
+              </a:r>
+              <a:endParaRPr lang="zh-TW" altLang="en-US" sz="1400" dirty="0"/>
+            </a:p>
+          </p:txBody>
+        </p:sp>
+        <p:sp>
+          <p:nvSpPr>
+            <p:cNvPr id="64" name="橢圓 63"/>
+            <p:cNvSpPr/>
+            <p:nvPr/>
+          </p:nvSpPr>
+          <p:spPr>
+            <a:xfrm>
+              <a:off x="8223915" y="4479981"/>
+              <a:ext cx="2694568" cy="461181"/>
+            </a:xfrm>
+            <a:prstGeom prst="ellipse">
+              <a:avLst/>
+            </a:prstGeom>
+            <a:solidFill>
+              <a:schemeClr val="accent1"/>
+            </a:solidFill>
+          </p:spPr>
+          <p:style>
+            <a:lnRef idx="2">
+              <a:schemeClr val="accent1">
+                <a:shade val="50000"/>
+              </a:schemeClr>
+            </a:lnRef>
+            <a:fillRef idx="1">
+              <a:schemeClr val="accent1"/>
+            </a:fillRef>
+            <a:effectRef idx="0">
+              <a:schemeClr val="accent1"/>
+            </a:effectRef>
+            <a:fontRef idx="minor">
+              <a:schemeClr val="lt1"/>
+            </a:fontRef>
+          </p:style>
+          <p:txBody>
+            <a:bodyPr rtlCol="0" anchor="ctr"/>
+            <a:lstStyle/>
+            <a:p>
+              <a:pPr algn="ctr"/>
+              <a:r>
+                <a:rPr lang="zh-TW" altLang="en-US" sz="1100" dirty="0"/>
+                <a:t>現金、信用卡、悠遊</a:t>
+              </a:r>
+              <a:r>
+                <a:rPr lang="zh-TW" altLang="en-US" sz="1100" dirty="0" smtClean="0"/>
+                <a:t>卡</a:t>
+              </a:r>
+              <a:r>
+                <a:rPr lang="en-US" altLang="zh-TW" sz="1100" dirty="0" smtClean="0"/>
+                <a:t>…</a:t>
+              </a:r>
+              <a:r>
+                <a:rPr lang="zh-TW" altLang="en-US" sz="1100" dirty="0" smtClean="0"/>
+                <a:t>新增</a:t>
+              </a:r>
+              <a:r>
+                <a:rPr lang="zh-TW" altLang="en-US" sz="1100" dirty="0"/>
+                <a:t>、修改、刪除</a:t>
+              </a:r>
+              <a:endParaRPr lang="zh-TW" altLang="en-US" sz="1050" dirty="0"/>
+            </a:p>
+          </p:txBody>
+        </p:sp>
+        <p:cxnSp>
+          <p:nvCxnSpPr>
+            <p:cNvPr id="26" name="直線接點 25"/>
+            <p:cNvCxnSpPr>
+              <a:stCxn id="58" idx="6"/>
+              <a:endCxn id="62" idx="2"/>
+            </p:cNvCxnSpPr>
+            <p:nvPr/>
+          </p:nvCxnSpPr>
+          <p:spPr>
+            <a:xfrm>
+              <a:off x="7232572" y="3517865"/>
+              <a:ext cx="1004624" cy="0"/>
+            </a:xfrm>
+            <a:prstGeom prst="line">
+              <a:avLst/>
+            </a:prstGeom>
+          </p:spPr>
+          <p:style>
+            <a:lnRef idx="1">
+              <a:schemeClr val="accent1"/>
+            </a:lnRef>
+            <a:fillRef idx="0">
+              <a:schemeClr val="accent1"/>
+            </a:fillRef>
+            <a:effectRef idx="0">
+              <a:schemeClr val="accent1"/>
+            </a:effectRef>
+            <a:fontRef idx="minor">
+              <a:schemeClr val="tx1"/>
+            </a:fontRef>
+          </p:style>
+        </p:cxnSp>
+        <p:sp>
+          <p:nvSpPr>
+            <p:cNvPr id="65" name="文字方塊 64"/>
+            <p:cNvSpPr txBox="1"/>
+            <p:nvPr/>
+          </p:nvSpPr>
+          <p:spPr>
+            <a:xfrm>
+              <a:off x="7166727" y="3243691"/>
+              <a:ext cx="1148071" cy="307777"/>
+            </a:xfrm>
+            <a:prstGeom prst="rect">
+              <a:avLst/>
+            </a:prstGeom>
+            <a:noFill/>
+          </p:spPr>
+          <p:txBody>
+            <a:bodyPr wrap="none" rtlCol="0">
+              <a:spAutoFit/>
+            </a:bodyPr>
+            <a:lstStyle/>
+            <a:p>
+              <a:r>
+                <a:rPr lang="en-US" altLang="zh-TW" sz="1400" dirty="0" smtClean="0">
                   <a:solidFill>
                     <a:schemeClr val="accent1"/>
                   </a:solidFill>
-                </a:endParaRPr>
-              </a:p>
-            </p:txBody>
-          </p:sp>
-          <p:cxnSp>
-            <p:nvCxnSpPr>
-              <p:cNvPr id="41" name="直線接點 40"/>
-              <p:cNvCxnSpPr>
-                <a:stCxn id="60" idx="6"/>
-                <a:endCxn id="63" idx="2"/>
-              </p:cNvCxnSpPr>
-              <p:nvPr/>
-            </p:nvCxnSpPr>
-            <p:spPr>
-              <a:xfrm>
-                <a:off x="7232572" y="4114219"/>
-                <a:ext cx="1001698" cy="0"/>
-              </a:xfrm>
-              <a:prstGeom prst="line">
-                <a:avLst/>
-              </a:prstGeom>
-            </p:spPr>
-            <p:style>
-              <a:lnRef idx="1">
-                <a:schemeClr val="accent1"/>
-              </a:lnRef>
-              <a:fillRef idx="0">
-                <a:schemeClr val="accent1"/>
-              </a:fillRef>
-              <a:effectRef idx="0">
-                <a:schemeClr val="accent1"/>
-              </a:effectRef>
-              <a:fontRef idx="minor">
-                <a:schemeClr val="tx1"/>
-              </a:fontRef>
-            </p:style>
-          </p:cxnSp>
-          <p:cxnSp>
-            <p:nvCxnSpPr>
-              <p:cNvPr id="67" name="直線接點 66"/>
-              <p:cNvCxnSpPr>
-                <a:stCxn id="61" idx="6"/>
-                <a:endCxn id="64" idx="2"/>
-              </p:cNvCxnSpPr>
-              <p:nvPr/>
-            </p:nvCxnSpPr>
-            <p:spPr>
-              <a:xfrm flipV="1">
-                <a:off x="7232572" y="4710572"/>
-                <a:ext cx="991343" cy="1"/>
-              </a:xfrm>
-              <a:prstGeom prst="line">
-                <a:avLst/>
-              </a:prstGeom>
-            </p:spPr>
-            <p:style>
-              <a:lnRef idx="1">
-                <a:schemeClr val="accent1"/>
-              </a:lnRef>
-              <a:fillRef idx="0">
-                <a:schemeClr val="accent1"/>
-              </a:fillRef>
-              <a:effectRef idx="0">
-                <a:schemeClr val="accent1"/>
-              </a:effectRef>
-              <a:fontRef idx="minor">
-                <a:schemeClr val="tx1"/>
-              </a:fontRef>
-            </p:style>
-          </p:cxnSp>
-          <p:sp>
-            <p:nvSpPr>
-              <p:cNvPr id="68" name="文字方塊 67"/>
-              <p:cNvSpPr txBox="1"/>
-              <p:nvPr/>
-            </p:nvSpPr>
-            <p:spPr>
-              <a:xfrm>
-                <a:off x="7175324" y="3825156"/>
-                <a:ext cx="1148071" cy="307777"/>
-              </a:xfrm>
-              <a:prstGeom prst="rect">
-                <a:avLst/>
-              </a:prstGeom>
-              <a:noFill/>
-            </p:spPr>
-            <p:txBody>
-              <a:bodyPr wrap="none" rtlCol="0">
-                <a:spAutoFit/>
-              </a:bodyPr>
-              <a:lstStyle/>
-              <a:p>
-                <a:r>
-                  <a:rPr lang="en-US" altLang="zh-TW" sz="1400" dirty="0" smtClean="0">
-                    <a:solidFill>
-                      <a:schemeClr val="accent1"/>
-                    </a:solidFill>
-                  </a:rPr>
-                  <a:t>&lt;&lt;include&gt;&gt;</a:t>
-                </a:r>
-                <a:endParaRPr lang="zh-TW" altLang="en-US" sz="1400" dirty="0">
+                </a:rPr>
+                <a:t>&lt;&lt;include&gt;&gt;</a:t>
+              </a:r>
+              <a:endParaRPr lang="zh-TW" altLang="en-US" sz="1400" dirty="0">
+                <a:solidFill>
+                  <a:schemeClr val="accent1"/>
+                </a:solidFill>
+              </a:endParaRPr>
+            </a:p>
+          </p:txBody>
+        </p:sp>
+        <p:cxnSp>
+          <p:nvCxnSpPr>
+            <p:cNvPr id="41" name="直線接點 40"/>
+            <p:cNvCxnSpPr>
+              <a:stCxn id="60" idx="6"/>
+              <a:endCxn id="63" idx="2"/>
+            </p:cNvCxnSpPr>
+            <p:nvPr/>
+          </p:nvCxnSpPr>
+          <p:spPr>
+            <a:xfrm>
+              <a:off x="7232572" y="4114219"/>
+              <a:ext cx="1001698" cy="0"/>
+            </a:xfrm>
+            <a:prstGeom prst="line">
+              <a:avLst/>
+            </a:prstGeom>
+          </p:spPr>
+          <p:style>
+            <a:lnRef idx="1">
+              <a:schemeClr val="accent1"/>
+            </a:lnRef>
+            <a:fillRef idx="0">
+              <a:schemeClr val="accent1"/>
+            </a:fillRef>
+            <a:effectRef idx="0">
+              <a:schemeClr val="accent1"/>
+            </a:effectRef>
+            <a:fontRef idx="minor">
+              <a:schemeClr val="tx1"/>
+            </a:fontRef>
+          </p:style>
+        </p:cxnSp>
+        <p:cxnSp>
+          <p:nvCxnSpPr>
+            <p:cNvPr id="67" name="直線接點 66"/>
+            <p:cNvCxnSpPr>
+              <a:stCxn id="61" idx="6"/>
+              <a:endCxn id="64" idx="2"/>
+            </p:cNvCxnSpPr>
+            <p:nvPr/>
+          </p:nvCxnSpPr>
+          <p:spPr>
+            <a:xfrm flipV="1">
+              <a:off x="7232572" y="4710572"/>
+              <a:ext cx="991343" cy="1"/>
+            </a:xfrm>
+            <a:prstGeom prst="line">
+              <a:avLst/>
+            </a:prstGeom>
+          </p:spPr>
+          <p:style>
+            <a:lnRef idx="1">
+              <a:schemeClr val="accent1"/>
+            </a:lnRef>
+            <a:fillRef idx="0">
+              <a:schemeClr val="accent1"/>
+            </a:fillRef>
+            <a:effectRef idx="0">
+              <a:schemeClr val="accent1"/>
+            </a:effectRef>
+            <a:fontRef idx="minor">
+              <a:schemeClr val="tx1"/>
+            </a:fontRef>
+          </p:style>
+        </p:cxnSp>
+        <p:sp>
+          <p:nvSpPr>
+            <p:cNvPr id="68" name="文字方塊 67"/>
+            <p:cNvSpPr txBox="1"/>
+            <p:nvPr/>
+          </p:nvSpPr>
+          <p:spPr>
+            <a:xfrm>
+              <a:off x="7175324" y="3825156"/>
+              <a:ext cx="1148071" cy="307777"/>
+            </a:xfrm>
+            <a:prstGeom prst="rect">
+              <a:avLst/>
+            </a:prstGeom>
+            <a:noFill/>
+          </p:spPr>
+          <p:txBody>
+            <a:bodyPr wrap="none" rtlCol="0">
+              <a:spAutoFit/>
+            </a:bodyPr>
+            <a:lstStyle/>
+            <a:p>
+              <a:r>
+                <a:rPr lang="en-US" altLang="zh-TW" sz="1400" dirty="0" smtClean="0">
                   <a:solidFill>
                     <a:schemeClr val="accent1"/>
                   </a:solidFill>
-                </a:endParaRPr>
-              </a:p>
-            </p:txBody>
-          </p:sp>
-          <p:sp>
-            <p:nvSpPr>
-              <p:cNvPr id="69" name="文字方塊 68"/>
-              <p:cNvSpPr txBox="1"/>
-              <p:nvPr/>
-            </p:nvSpPr>
-            <p:spPr>
-              <a:xfrm>
-                <a:off x="7175324" y="4398933"/>
-                <a:ext cx="1148071" cy="307777"/>
-              </a:xfrm>
-              <a:prstGeom prst="rect">
-                <a:avLst/>
-              </a:prstGeom>
-              <a:noFill/>
-            </p:spPr>
-            <p:txBody>
-              <a:bodyPr wrap="none" rtlCol="0">
-                <a:spAutoFit/>
-              </a:bodyPr>
-              <a:lstStyle/>
-              <a:p>
-                <a:r>
-                  <a:rPr lang="en-US" altLang="zh-TW" sz="1400" dirty="0" smtClean="0">
-                    <a:solidFill>
-                      <a:schemeClr val="accent1"/>
-                    </a:solidFill>
-                  </a:rPr>
-                  <a:t>&lt;&lt;include&gt;&gt;</a:t>
-                </a:r>
-                <a:endParaRPr lang="zh-TW" altLang="en-US" sz="1400" dirty="0">
+                </a:rPr>
+                <a:t>&lt;&lt;include&gt;&gt;</a:t>
+              </a:r>
+              <a:endParaRPr lang="zh-TW" altLang="en-US" sz="1400" dirty="0">
+                <a:solidFill>
+                  <a:schemeClr val="accent1"/>
+                </a:solidFill>
+              </a:endParaRPr>
+            </a:p>
+          </p:txBody>
+        </p:sp>
+        <p:sp>
+          <p:nvSpPr>
+            <p:cNvPr id="69" name="文字方塊 68"/>
+            <p:cNvSpPr txBox="1"/>
+            <p:nvPr/>
+          </p:nvSpPr>
+          <p:spPr>
+            <a:xfrm>
+              <a:off x="7175324" y="4398933"/>
+              <a:ext cx="1148071" cy="307777"/>
+            </a:xfrm>
+            <a:prstGeom prst="rect">
+              <a:avLst/>
+            </a:prstGeom>
+            <a:noFill/>
+          </p:spPr>
+          <p:txBody>
+            <a:bodyPr wrap="none" rtlCol="0">
+              <a:spAutoFit/>
+            </a:bodyPr>
+            <a:lstStyle/>
+            <a:p>
+              <a:r>
+                <a:rPr lang="en-US" altLang="zh-TW" sz="1400" dirty="0" smtClean="0">
                   <a:solidFill>
                     <a:schemeClr val="accent1"/>
                   </a:solidFill>
-                </a:endParaRPr>
-              </a:p>
-            </p:txBody>
-          </p:sp>
-        </p:grpSp>
-        <p:grpSp>
-          <p:nvGrpSpPr>
-            <p:cNvPr id="79" name="群組 78"/>
-            <p:cNvGrpSpPr/>
+                </a:rPr>
+                <a:t>&lt;&lt;include&gt;&gt;</a:t>
+              </a:r>
+              <a:endParaRPr lang="zh-TW" altLang="en-US" sz="1400" dirty="0">
+                <a:solidFill>
+                  <a:schemeClr val="accent1"/>
+                </a:solidFill>
+              </a:endParaRPr>
+            </a:p>
+          </p:txBody>
+        </p:sp>
+      </p:grpSp>
+      <p:grpSp>
+        <p:nvGrpSpPr>
+          <p:cNvPr id="79" name="群組 78"/>
+          <p:cNvGrpSpPr/>
+          <p:nvPr/>
+        </p:nvGrpSpPr>
+        <p:grpSpPr>
+          <a:xfrm>
+            <a:off x="4466493" y="5216964"/>
+            <a:ext cx="3951442" cy="1372842"/>
+            <a:chOff x="5715000" y="5278561"/>
+            <a:chExt cx="4542361" cy="1578144"/>
+          </a:xfrm>
+        </p:grpSpPr>
+        <p:sp>
+          <p:nvSpPr>
+            <p:cNvPr id="72" name="橢圓 71"/>
+            <p:cNvSpPr/>
             <p:nvPr/>
-          </p:nvGrpSpPr>
-          <p:grpSpPr>
+          </p:nvSpPr>
+          <p:spPr>
             <a:xfrm>
-              <a:off x="4074961" y="5504031"/>
-              <a:ext cx="4542361" cy="1578144"/>
-              <a:chOff x="5715000" y="5278561"/>
-              <a:chExt cx="4542361" cy="1578144"/>
+              <a:off x="5715000" y="5317002"/>
+              <a:ext cx="1517572" cy="461181"/>
             </a:xfrm>
-          </p:grpSpPr>
-          <p:sp>
-            <p:nvSpPr>
-              <p:cNvPr id="72" name="橢圓 71"/>
-              <p:cNvSpPr/>
-              <p:nvPr/>
-            </p:nvSpPr>
-            <p:spPr>
-              <a:xfrm>
-                <a:off x="5715000" y="5317002"/>
-                <a:ext cx="1517572" cy="461181"/>
-              </a:xfrm>
-              <a:prstGeom prst="ellipse">
-                <a:avLst/>
-              </a:prstGeom>
+            <a:prstGeom prst="ellipse">
+              <a:avLst/>
+            </a:prstGeom>
+            <a:solidFill>
+              <a:schemeClr val="bg2">
+                <a:lumMod val="90000"/>
+              </a:schemeClr>
+            </a:solidFill>
+          </p:spPr>
+          <p:style>
+            <a:lnRef idx="2">
+              <a:schemeClr val="accent1">
+                <a:shade val="50000"/>
+              </a:schemeClr>
+            </a:lnRef>
+            <a:fillRef idx="1">
+              <a:schemeClr val="accent1"/>
+            </a:fillRef>
+            <a:effectRef idx="0">
+              <a:schemeClr val="accent1"/>
+            </a:effectRef>
+            <a:fontRef idx="minor">
+              <a:schemeClr val="lt1"/>
+            </a:fontRef>
+          </p:style>
+          <p:txBody>
+            <a:bodyPr rtlCol="0" anchor="ctr"/>
+            <a:lstStyle/>
+            <a:p>
+              <a:pPr algn="ctr"/>
+              <a:r>
+                <a:rPr lang="zh-TW" altLang="en-US" sz="1600" dirty="0" smtClean="0"/>
+                <a:t>登</a:t>
+              </a:r>
+              <a:r>
+                <a:rPr lang="zh-TW" altLang="en-US" sz="1600" dirty="0"/>
+                <a:t>入</a:t>
+              </a:r>
+            </a:p>
+          </p:txBody>
+        </p:sp>
+        <p:sp>
+          <p:nvSpPr>
+            <p:cNvPr id="73" name="橢圓 72"/>
+            <p:cNvSpPr/>
+            <p:nvPr/>
+          </p:nvSpPr>
+          <p:spPr>
+            <a:xfrm>
+              <a:off x="5715000" y="5856263"/>
+              <a:ext cx="1517572" cy="461181"/>
+            </a:xfrm>
+            <a:prstGeom prst="ellipse">
+              <a:avLst/>
+            </a:prstGeom>
+            <a:solidFill>
+              <a:schemeClr val="bg2">
+                <a:lumMod val="90000"/>
+              </a:schemeClr>
+            </a:solidFill>
+          </p:spPr>
+          <p:style>
+            <a:lnRef idx="2">
+              <a:schemeClr val="accent1">
+                <a:shade val="50000"/>
+              </a:schemeClr>
+            </a:lnRef>
+            <a:fillRef idx="1">
+              <a:schemeClr val="accent1"/>
+            </a:fillRef>
+            <a:effectRef idx="0">
+              <a:schemeClr val="accent1"/>
+            </a:effectRef>
+            <a:fontRef idx="minor">
+              <a:schemeClr val="lt1"/>
+            </a:fontRef>
+          </p:style>
+          <p:txBody>
+            <a:bodyPr rtlCol="0" anchor="ctr"/>
+            <a:lstStyle/>
+            <a:p>
+              <a:pPr algn="ctr"/>
+              <a:r>
+                <a:rPr lang="zh-TW" altLang="en-US" sz="1400" dirty="0" smtClean="0"/>
+                <a:t>幣別轉換</a:t>
+              </a:r>
+              <a:endParaRPr lang="zh-TW" altLang="en-US" sz="1400" dirty="0"/>
+            </a:p>
+          </p:txBody>
+        </p:sp>
+        <p:sp>
+          <p:nvSpPr>
+            <p:cNvPr id="74" name="橢圓 73"/>
+            <p:cNvSpPr/>
+            <p:nvPr/>
+          </p:nvSpPr>
+          <p:spPr>
+            <a:xfrm>
+              <a:off x="5715000" y="6395524"/>
+              <a:ext cx="1517572" cy="461181"/>
+            </a:xfrm>
+            <a:prstGeom prst="ellipse">
+              <a:avLst/>
+            </a:prstGeom>
+            <a:solidFill>
+              <a:srgbClr val="92D050"/>
+            </a:solidFill>
+          </p:spPr>
+          <p:style>
+            <a:lnRef idx="2">
+              <a:schemeClr val="accent1">
+                <a:shade val="50000"/>
+              </a:schemeClr>
+            </a:lnRef>
+            <a:fillRef idx="1">
+              <a:schemeClr val="accent1"/>
+            </a:fillRef>
+            <a:effectRef idx="0">
+              <a:schemeClr val="accent1"/>
+            </a:effectRef>
+            <a:fontRef idx="minor">
+              <a:schemeClr val="lt1"/>
+            </a:fontRef>
+          </p:style>
+          <p:txBody>
+            <a:bodyPr rtlCol="0" anchor="ctr"/>
+            <a:lstStyle/>
+            <a:p>
+              <a:pPr algn="ctr"/>
+              <a:r>
+                <a:rPr lang="en-US" altLang="zh-TW" sz="1600" dirty="0" smtClean="0"/>
+                <a:t>UI</a:t>
+              </a:r>
+              <a:r>
+                <a:rPr lang="zh-TW" altLang="en-US" sz="1600" dirty="0" smtClean="0"/>
+                <a:t>設計</a:t>
+              </a:r>
+              <a:endParaRPr lang="zh-TW" altLang="en-US" sz="1600" dirty="0"/>
+            </a:p>
+          </p:txBody>
+        </p:sp>
+        <p:sp>
+          <p:nvSpPr>
+            <p:cNvPr id="75" name="橢圓 74"/>
+            <p:cNvSpPr/>
+            <p:nvPr/>
+          </p:nvSpPr>
+          <p:spPr>
+            <a:xfrm>
+              <a:off x="8223915" y="5317002"/>
+              <a:ext cx="2033446" cy="461181"/>
+            </a:xfrm>
+            <a:prstGeom prst="ellipse">
+              <a:avLst/>
+            </a:prstGeom>
+            <a:solidFill>
+              <a:schemeClr val="bg2">
+                <a:lumMod val="90000"/>
+              </a:schemeClr>
+            </a:solidFill>
+          </p:spPr>
+          <p:style>
+            <a:lnRef idx="2">
+              <a:schemeClr val="accent1">
+                <a:shade val="50000"/>
+              </a:schemeClr>
+            </a:lnRef>
+            <a:fillRef idx="1">
+              <a:schemeClr val="accent1"/>
+            </a:fillRef>
+            <a:effectRef idx="0">
+              <a:schemeClr val="accent1"/>
+            </a:effectRef>
+            <a:fontRef idx="minor">
+              <a:schemeClr val="lt1"/>
+            </a:fontRef>
+          </p:style>
+          <p:txBody>
+            <a:bodyPr rtlCol="0" anchor="ctr"/>
+            <a:lstStyle/>
+            <a:p>
+              <a:pPr algn="ctr"/>
+              <a:r>
+                <a:rPr lang="zh-TW" altLang="en-US" sz="1200" dirty="0" smtClean="0"/>
+                <a:t>數字、圖形登入</a:t>
+              </a:r>
+              <a:endParaRPr lang="zh-TW" altLang="en-US" sz="1200" dirty="0"/>
+            </a:p>
+          </p:txBody>
+        </p:sp>
+        <p:cxnSp>
+          <p:nvCxnSpPr>
+            <p:cNvPr id="77" name="直線接點 76"/>
+            <p:cNvCxnSpPr>
+              <a:stCxn id="72" idx="6"/>
+              <a:endCxn id="75" idx="2"/>
+            </p:cNvCxnSpPr>
+            <p:nvPr/>
+          </p:nvCxnSpPr>
+          <p:spPr>
+            <a:xfrm>
+              <a:off x="7232572" y="5547593"/>
+              <a:ext cx="991343" cy="0"/>
+            </a:xfrm>
+            <a:prstGeom prst="line">
+              <a:avLst/>
+            </a:prstGeom>
+            <a:ln>
               <a:solidFill>
                 <a:srgbClr val="92D050"/>
               </a:solidFill>
-            </p:spPr>
-            <p:style>
-              <a:lnRef idx="2">
-                <a:schemeClr val="accent1">
-                  <a:shade val="50000"/>
-                </a:schemeClr>
-              </a:lnRef>
-              <a:fillRef idx="1">
-                <a:schemeClr val="accent1"/>
-              </a:fillRef>
-              <a:effectRef idx="0">
-                <a:schemeClr val="accent1"/>
-              </a:effectRef>
-              <a:fontRef idx="minor">
-                <a:schemeClr val="lt1"/>
-              </a:fontRef>
-            </p:style>
-            <p:txBody>
-              <a:bodyPr rtlCol="0" anchor="ctr"/>
-              <a:lstStyle/>
-              <a:p>
-                <a:pPr algn="ctr"/>
-                <a:r>
-                  <a:rPr lang="zh-TW" altLang="en-US" sz="1600" dirty="0" smtClean="0"/>
-                  <a:t>登</a:t>
-                </a:r>
-                <a:r>
-                  <a:rPr lang="zh-TW" altLang="en-US" sz="1600" dirty="0"/>
-                  <a:t>入</a:t>
-                </a:r>
-              </a:p>
-            </p:txBody>
-          </p:sp>
-          <p:sp>
-            <p:nvSpPr>
-              <p:cNvPr id="73" name="橢圓 72"/>
-              <p:cNvSpPr/>
-              <p:nvPr/>
-            </p:nvSpPr>
-            <p:spPr>
-              <a:xfrm>
-                <a:off x="5715000" y="5856263"/>
-                <a:ext cx="1517572" cy="461181"/>
-              </a:xfrm>
-              <a:prstGeom prst="ellipse">
-                <a:avLst/>
-              </a:prstGeom>
-              <a:solidFill>
-                <a:srgbClr val="92D050"/>
-              </a:solidFill>
-            </p:spPr>
-            <p:style>
-              <a:lnRef idx="2">
-                <a:schemeClr val="accent1">
-                  <a:shade val="50000"/>
-                </a:schemeClr>
-              </a:lnRef>
-              <a:fillRef idx="1">
-                <a:schemeClr val="accent1"/>
-              </a:fillRef>
-              <a:effectRef idx="0">
-                <a:schemeClr val="accent1"/>
-              </a:effectRef>
-              <a:fontRef idx="minor">
-                <a:schemeClr val="lt1"/>
-              </a:fontRef>
-            </p:style>
-            <p:txBody>
-              <a:bodyPr rtlCol="0" anchor="ctr"/>
-              <a:lstStyle/>
-              <a:p>
-                <a:pPr algn="ctr"/>
-                <a:r>
-                  <a:rPr lang="zh-TW" altLang="en-US" sz="1400" dirty="0" smtClean="0"/>
-                  <a:t>幣別轉換</a:t>
-                </a:r>
-                <a:endParaRPr lang="zh-TW" altLang="en-US" sz="1400" dirty="0"/>
-              </a:p>
-            </p:txBody>
-          </p:sp>
-          <p:sp>
-            <p:nvSpPr>
-              <p:cNvPr id="74" name="橢圓 73"/>
-              <p:cNvSpPr/>
-              <p:nvPr/>
-            </p:nvSpPr>
-            <p:spPr>
-              <a:xfrm>
-                <a:off x="5715000" y="6395524"/>
-                <a:ext cx="1517572" cy="461181"/>
-              </a:xfrm>
-              <a:prstGeom prst="ellipse">
-                <a:avLst/>
-              </a:prstGeom>
-              <a:solidFill>
-                <a:srgbClr val="92D050"/>
-              </a:solidFill>
-            </p:spPr>
-            <p:style>
-              <a:lnRef idx="2">
-                <a:schemeClr val="accent1">
-                  <a:shade val="50000"/>
-                </a:schemeClr>
-              </a:lnRef>
-              <a:fillRef idx="1">
-                <a:schemeClr val="accent1"/>
-              </a:fillRef>
-              <a:effectRef idx="0">
-                <a:schemeClr val="accent1"/>
-              </a:effectRef>
-              <a:fontRef idx="minor">
-                <a:schemeClr val="lt1"/>
-              </a:fontRef>
-            </p:style>
-            <p:txBody>
-              <a:bodyPr rtlCol="0" anchor="ctr"/>
-              <a:lstStyle/>
-              <a:p>
-                <a:pPr algn="ctr"/>
-                <a:r>
-                  <a:rPr lang="en-US" altLang="zh-TW" sz="1600" dirty="0" smtClean="0"/>
-                  <a:t>UI</a:t>
-                </a:r>
-                <a:r>
-                  <a:rPr lang="zh-TW" altLang="en-US" sz="1600" dirty="0" smtClean="0"/>
-                  <a:t>設計</a:t>
-                </a:r>
-                <a:endParaRPr lang="zh-TW" altLang="en-US" sz="1600" dirty="0"/>
-              </a:p>
-            </p:txBody>
-          </p:sp>
-          <p:sp>
-            <p:nvSpPr>
-              <p:cNvPr id="75" name="橢圓 74"/>
-              <p:cNvSpPr/>
-              <p:nvPr/>
-            </p:nvSpPr>
-            <p:spPr>
-              <a:xfrm>
-                <a:off x="8223915" y="5317002"/>
-                <a:ext cx="2033446" cy="461181"/>
-              </a:xfrm>
-              <a:prstGeom prst="ellipse">
-                <a:avLst/>
-              </a:prstGeom>
-              <a:solidFill>
-                <a:srgbClr val="92D050"/>
-              </a:solidFill>
-            </p:spPr>
-            <p:style>
-              <a:lnRef idx="2">
-                <a:schemeClr val="accent1">
-                  <a:shade val="50000"/>
-                </a:schemeClr>
-              </a:lnRef>
-              <a:fillRef idx="1">
-                <a:schemeClr val="accent1"/>
-              </a:fillRef>
-              <a:effectRef idx="0">
-                <a:schemeClr val="accent1"/>
-              </a:effectRef>
-              <a:fontRef idx="minor">
-                <a:schemeClr val="lt1"/>
-              </a:fontRef>
-            </p:style>
-            <p:txBody>
-              <a:bodyPr rtlCol="0" anchor="ctr"/>
-              <a:lstStyle/>
-              <a:p>
-                <a:pPr algn="ctr"/>
-                <a:r>
-                  <a:rPr lang="zh-TW" altLang="en-US" sz="1200" dirty="0" smtClean="0"/>
-                  <a:t>數字、圖形登入</a:t>
-                </a:r>
-                <a:endParaRPr lang="zh-TW" altLang="en-US" sz="1200" dirty="0"/>
-              </a:p>
-            </p:txBody>
-          </p:sp>
-          <p:cxnSp>
-            <p:nvCxnSpPr>
-              <p:cNvPr id="77" name="直線接點 76"/>
-              <p:cNvCxnSpPr>
-                <a:stCxn id="72" idx="6"/>
-                <a:endCxn id="75" idx="2"/>
-              </p:cNvCxnSpPr>
-              <p:nvPr/>
-            </p:nvCxnSpPr>
-            <p:spPr>
-              <a:xfrm>
-                <a:off x="7232572" y="5547593"/>
-                <a:ext cx="991343" cy="0"/>
-              </a:xfrm>
-              <a:prstGeom prst="line">
-                <a:avLst/>
-              </a:prstGeom>
-              <a:ln>
+            </a:ln>
+          </p:spPr>
+          <p:style>
+            <a:lnRef idx="1">
+              <a:schemeClr val="accent1"/>
+            </a:lnRef>
+            <a:fillRef idx="0">
+              <a:schemeClr val="accent1"/>
+            </a:fillRef>
+            <a:effectRef idx="0">
+              <a:schemeClr val="accent1"/>
+            </a:effectRef>
+            <a:fontRef idx="minor">
+              <a:schemeClr val="tx1"/>
+            </a:fontRef>
+          </p:style>
+        </p:cxnSp>
+        <p:sp>
+          <p:nvSpPr>
+            <p:cNvPr id="78" name="文字方塊 77"/>
+            <p:cNvSpPr txBox="1"/>
+            <p:nvPr/>
+          </p:nvSpPr>
+          <p:spPr>
+            <a:xfrm>
+              <a:off x="7166727" y="5278561"/>
+              <a:ext cx="1148071" cy="307777"/>
+            </a:xfrm>
+            <a:prstGeom prst="rect">
+              <a:avLst/>
+            </a:prstGeom>
+            <a:noFill/>
+          </p:spPr>
+          <p:txBody>
+            <a:bodyPr wrap="none" rtlCol="0">
+              <a:spAutoFit/>
+            </a:bodyPr>
+            <a:lstStyle/>
+            <a:p>
+              <a:r>
+                <a:rPr lang="en-US" altLang="zh-TW" sz="1400" dirty="0" smtClean="0">
+                  <a:solidFill>
+                    <a:srgbClr val="92D050"/>
+                  </a:solidFill>
+                </a:rPr>
+                <a:t>&lt;&lt;include&gt;&gt;</a:t>
+              </a:r>
+              <a:endParaRPr lang="zh-TW" altLang="en-US" sz="1400" dirty="0">
                 <a:solidFill>
                   <a:srgbClr val="92D050"/>
                 </a:solidFill>
-              </a:ln>
-            </p:spPr>
-            <p:style>
-              <a:lnRef idx="1">
-                <a:schemeClr val="accent1"/>
-              </a:lnRef>
-              <a:fillRef idx="0">
-                <a:schemeClr val="accent1"/>
-              </a:fillRef>
-              <a:effectRef idx="0">
-                <a:schemeClr val="accent1"/>
-              </a:effectRef>
-              <a:fontRef idx="minor">
-                <a:schemeClr val="tx1"/>
-              </a:fontRef>
-            </p:style>
-          </p:cxnSp>
-          <p:sp>
-            <p:nvSpPr>
-              <p:cNvPr id="78" name="文字方塊 77"/>
-              <p:cNvSpPr txBox="1"/>
-              <p:nvPr/>
-            </p:nvSpPr>
-            <p:spPr>
-              <a:xfrm>
-                <a:off x="7166727" y="5278561"/>
-                <a:ext cx="1148071" cy="307777"/>
-              </a:xfrm>
-              <a:prstGeom prst="rect">
-                <a:avLst/>
-              </a:prstGeom>
-              <a:noFill/>
-            </p:spPr>
-            <p:txBody>
-              <a:bodyPr wrap="none" rtlCol="0">
-                <a:spAutoFit/>
-              </a:bodyPr>
-              <a:lstStyle/>
-              <a:p>
-                <a:r>
-                  <a:rPr lang="en-US" altLang="zh-TW" sz="1400" dirty="0" smtClean="0">
-                    <a:solidFill>
-                      <a:srgbClr val="92D050"/>
-                    </a:solidFill>
-                  </a:rPr>
-                  <a:t>&lt;&lt;include&gt;&gt;</a:t>
-                </a:r>
-                <a:endParaRPr lang="zh-TW" altLang="en-US" sz="1400" dirty="0">
-                  <a:solidFill>
-                    <a:srgbClr val="92D050"/>
-                  </a:solidFill>
-                </a:endParaRPr>
-              </a:p>
-            </p:txBody>
-          </p:sp>
-        </p:grpSp>
-        <p:grpSp>
-          <p:nvGrpSpPr>
-            <p:cNvPr id="93" name="群組 92"/>
-            <p:cNvGrpSpPr/>
+              </a:endParaRPr>
+            </a:p>
+          </p:txBody>
+        </p:sp>
+      </p:grpSp>
+      <p:grpSp>
+        <p:nvGrpSpPr>
+          <p:cNvPr id="93" name="群組 92"/>
+          <p:cNvGrpSpPr/>
+          <p:nvPr/>
+        </p:nvGrpSpPr>
+        <p:grpSpPr>
+          <a:xfrm>
+            <a:off x="6662092" y="2527758"/>
+            <a:ext cx="4538112" cy="990652"/>
+            <a:chOff x="5715013" y="5037604"/>
+            <a:chExt cx="5216764" cy="1138799"/>
+          </a:xfrm>
+        </p:grpSpPr>
+        <p:sp>
+          <p:nvSpPr>
+            <p:cNvPr id="81" name="橢圓 80"/>
+            <p:cNvSpPr/>
             <p:nvPr/>
-          </p:nvGrpSpPr>
-          <p:grpSpPr>
+          </p:nvSpPr>
+          <p:spPr>
             <a:xfrm>
-              <a:off x="6598901" y="2412668"/>
-              <a:ext cx="5216764" cy="1138799"/>
-              <a:chOff x="5715013" y="5037604"/>
-              <a:chExt cx="5216764" cy="1138799"/>
+              <a:off x="5715013" y="5118868"/>
+              <a:ext cx="1517572" cy="461181"/>
             </a:xfrm>
-          </p:grpSpPr>
-          <p:sp>
-            <p:nvSpPr>
-              <p:cNvPr id="81" name="橢圓 80"/>
-              <p:cNvSpPr/>
-              <p:nvPr/>
-            </p:nvSpPr>
-            <p:spPr>
-              <a:xfrm>
-                <a:off x="5715013" y="5118868"/>
-                <a:ext cx="1517572" cy="461181"/>
-              </a:xfrm>
-              <a:prstGeom prst="ellipse">
-                <a:avLst/>
-              </a:prstGeom>
+            <a:prstGeom prst="ellipse">
+              <a:avLst/>
+            </a:prstGeom>
+            <a:solidFill>
+              <a:srgbClr val="FFC000"/>
+            </a:solidFill>
+          </p:spPr>
+          <p:style>
+            <a:lnRef idx="2">
+              <a:schemeClr val="accent1">
+                <a:shade val="50000"/>
+              </a:schemeClr>
+            </a:lnRef>
+            <a:fillRef idx="1">
+              <a:schemeClr val="accent1"/>
+            </a:fillRef>
+            <a:effectRef idx="0">
+              <a:schemeClr val="accent1"/>
+            </a:effectRef>
+            <a:fontRef idx="minor">
+              <a:schemeClr val="lt1"/>
+            </a:fontRef>
+          </p:style>
+          <p:txBody>
+            <a:bodyPr rtlCol="0" anchor="ctr"/>
+            <a:lstStyle/>
+            <a:p>
+              <a:pPr algn="ctr"/>
+              <a:r>
+                <a:rPr lang="zh-TW" altLang="en-US" sz="1600" dirty="0" smtClean="0"/>
+                <a:t>備份</a:t>
+              </a:r>
+              <a:endParaRPr lang="zh-TW" altLang="en-US" sz="1600" dirty="0"/>
+            </a:p>
+          </p:txBody>
+        </p:sp>
+        <p:sp>
+          <p:nvSpPr>
+            <p:cNvPr id="82" name="橢圓 81"/>
+            <p:cNvSpPr/>
+            <p:nvPr/>
+          </p:nvSpPr>
+          <p:spPr>
+            <a:xfrm>
+              <a:off x="5715013" y="5715222"/>
+              <a:ext cx="1517572" cy="461181"/>
+            </a:xfrm>
+            <a:prstGeom prst="ellipse">
+              <a:avLst/>
+            </a:prstGeom>
+            <a:solidFill>
+              <a:srgbClr val="FFC000"/>
+            </a:solidFill>
+          </p:spPr>
+          <p:style>
+            <a:lnRef idx="2">
+              <a:schemeClr val="accent1">
+                <a:shade val="50000"/>
+              </a:schemeClr>
+            </a:lnRef>
+            <a:fillRef idx="1">
+              <a:schemeClr val="accent1"/>
+            </a:fillRef>
+            <a:effectRef idx="0">
+              <a:schemeClr val="accent1"/>
+            </a:effectRef>
+            <a:fontRef idx="minor">
+              <a:schemeClr val="lt1"/>
+            </a:fontRef>
+          </p:style>
+          <p:txBody>
+            <a:bodyPr rtlCol="0" anchor="ctr"/>
+            <a:lstStyle/>
+            <a:p>
+              <a:pPr algn="ctr"/>
+              <a:r>
+                <a:rPr lang="zh-TW" altLang="en-US" sz="1200" dirty="0" smtClean="0"/>
+                <a:t>資料庫連結</a:t>
+              </a:r>
+              <a:endParaRPr lang="zh-TW" altLang="en-US" sz="1200" dirty="0"/>
+            </a:p>
+          </p:txBody>
+        </p:sp>
+        <p:sp>
+          <p:nvSpPr>
+            <p:cNvPr id="84" name="橢圓 83"/>
+            <p:cNvSpPr/>
+            <p:nvPr/>
+          </p:nvSpPr>
+          <p:spPr>
+            <a:xfrm>
+              <a:off x="8237209" y="5118868"/>
+              <a:ext cx="2694568" cy="461181"/>
+            </a:xfrm>
+            <a:prstGeom prst="ellipse">
+              <a:avLst/>
+            </a:prstGeom>
+            <a:solidFill>
+              <a:srgbClr val="FFC000"/>
+            </a:solidFill>
+          </p:spPr>
+          <p:style>
+            <a:lnRef idx="2">
+              <a:schemeClr val="accent1">
+                <a:shade val="50000"/>
+              </a:schemeClr>
+            </a:lnRef>
+            <a:fillRef idx="1">
+              <a:schemeClr val="accent1"/>
+            </a:fillRef>
+            <a:effectRef idx="0">
+              <a:schemeClr val="accent1"/>
+            </a:effectRef>
+            <a:fontRef idx="minor">
+              <a:schemeClr val="lt1"/>
+            </a:fontRef>
+          </p:style>
+          <p:txBody>
+            <a:bodyPr rtlCol="0" anchor="ctr"/>
+            <a:lstStyle/>
+            <a:p>
+              <a:pPr algn="ctr"/>
+              <a:r>
+                <a:rPr lang="en-US" altLang="zh-TW" sz="1400" dirty="0" smtClean="0"/>
+                <a:t>Reset</a:t>
+              </a:r>
+              <a:r>
+                <a:rPr lang="zh-TW" altLang="en-US" sz="1400" dirty="0" smtClean="0"/>
+                <a:t>、輸出</a:t>
+              </a:r>
+              <a:r>
+                <a:rPr lang="en-US" altLang="zh-TW" sz="1400" dirty="0" smtClean="0"/>
+                <a:t>csv</a:t>
+              </a:r>
+              <a:r>
+                <a:rPr lang="zh-TW" altLang="en-US" sz="1400" dirty="0" smtClean="0"/>
+                <a:t>檔</a:t>
+              </a:r>
+              <a:endParaRPr lang="zh-TW" altLang="en-US" sz="1200" dirty="0"/>
+            </a:p>
+          </p:txBody>
+        </p:sp>
+        <p:sp>
+          <p:nvSpPr>
+            <p:cNvPr id="85" name="橢圓 84"/>
+            <p:cNvSpPr/>
+            <p:nvPr/>
+          </p:nvSpPr>
+          <p:spPr>
+            <a:xfrm>
+              <a:off x="8234283" y="5715222"/>
+              <a:ext cx="2694568" cy="461181"/>
+            </a:xfrm>
+            <a:prstGeom prst="ellipse">
+              <a:avLst/>
+            </a:prstGeom>
+            <a:solidFill>
+              <a:srgbClr val="FFC000"/>
+            </a:solidFill>
+          </p:spPr>
+          <p:style>
+            <a:lnRef idx="2">
+              <a:schemeClr val="accent1">
+                <a:shade val="50000"/>
+              </a:schemeClr>
+            </a:lnRef>
+            <a:fillRef idx="1">
+              <a:schemeClr val="accent1"/>
+            </a:fillRef>
+            <a:effectRef idx="0">
+              <a:schemeClr val="accent1"/>
+            </a:effectRef>
+            <a:fontRef idx="minor">
+              <a:schemeClr val="lt1"/>
+            </a:fontRef>
+          </p:style>
+          <p:txBody>
+            <a:bodyPr rtlCol="0" anchor="ctr"/>
+            <a:lstStyle/>
+            <a:p>
+              <a:pPr algn="ctr"/>
+              <a:r>
+                <a:rPr lang="en-US" altLang="zh-TW" dirty="0" smtClean="0"/>
+                <a:t>SQLite</a:t>
+              </a:r>
+              <a:endParaRPr lang="zh-TW" altLang="en-US" sz="1600" dirty="0"/>
+            </a:p>
+          </p:txBody>
+        </p:sp>
+        <p:cxnSp>
+          <p:nvCxnSpPr>
+            <p:cNvPr id="87" name="直線接點 86"/>
+            <p:cNvCxnSpPr>
+              <a:stCxn id="81" idx="6"/>
+              <a:endCxn id="84" idx="2"/>
+            </p:cNvCxnSpPr>
+            <p:nvPr/>
+          </p:nvCxnSpPr>
+          <p:spPr>
+            <a:xfrm>
+              <a:off x="7232585" y="5349459"/>
+              <a:ext cx="1004624" cy="0"/>
+            </a:xfrm>
+            <a:prstGeom prst="line">
+              <a:avLst/>
+            </a:prstGeom>
+            <a:ln>
               <a:solidFill>
                 <a:srgbClr val="FFC000"/>
               </a:solidFill>
-            </p:spPr>
-            <p:style>
-              <a:lnRef idx="2">
-                <a:schemeClr val="accent1">
-                  <a:shade val="50000"/>
-                </a:schemeClr>
-              </a:lnRef>
-              <a:fillRef idx="1">
-                <a:schemeClr val="accent1"/>
-              </a:fillRef>
-              <a:effectRef idx="0">
-                <a:schemeClr val="accent1"/>
-              </a:effectRef>
-              <a:fontRef idx="minor">
-                <a:schemeClr val="lt1"/>
-              </a:fontRef>
-            </p:style>
-            <p:txBody>
-              <a:bodyPr rtlCol="0" anchor="ctr"/>
-              <a:lstStyle/>
-              <a:p>
-                <a:pPr algn="ctr"/>
-                <a:r>
-                  <a:rPr lang="zh-TW" altLang="en-US" sz="1600" dirty="0" smtClean="0"/>
-                  <a:t>備份</a:t>
-                </a:r>
-                <a:endParaRPr lang="zh-TW" altLang="en-US" sz="1600" dirty="0"/>
-              </a:p>
-            </p:txBody>
-          </p:sp>
-          <p:sp>
-            <p:nvSpPr>
-              <p:cNvPr id="82" name="橢圓 81"/>
-              <p:cNvSpPr/>
-              <p:nvPr/>
-            </p:nvSpPr>
-            <p:spPr>
-              <a:xfrm>
-                <a:off x="5715013" y="5715222"/>
-                <a:ext cx="1517572" cy="461181"/>
-              </a:xfrm>
-              <a:prstGeom prst="ellipse">
-                <a:avLst/>
-              </a:prstGeom>
+            </a:ln>
+          </p:spPr>
+          <p:style>
+            <a:lnRef idx="1">
+              <a:schemeClr val="accent1"/>
+            </a:lnRef>
+            <a:fillRef idx="0">
+              <a:schemeClr val="accent1"/>
+            </a:fillRef>
+            <a:effectRef idx="0">
+              <a:schemeClr val="accent1"/>
+            </a:effectRef>
+            <a:fontRef idx="minor">
+              <a:schemeClr val="tx1"/>
+            </a:fontRef>
+          </p:style>
+        </p:cxnSp>
+        <p:sp>
+          <p:nvSpPr>
+            <p:cNvPr id="88" name="文字方塊 87"/>
+            <p:cNvSpPr txBox="1"/>
+            <p:nvPr/>
+          </p:nvSpPr>
+          <p:spPr>
+            <a:xfrm>
+              <a:off x="7166727" y="5037604"/>
+              <a:ext cx="1148071" cy="307777"/>
+            </a:xfrm>
+            <a:prstGeom prst="rect">
+              <a:avLst/>
+            </a:prstGeom>
+            <a:noFill/>
+          </p:spPr>
+          <p:txBody>
+            <a:bodyPr wrap="none" rtlCol="0">
+              <a:spAutoFit/>
+            </a:bodyPr>
+            <a:lstStyle/>
+            <a:p>
+              <a:r>
+                <a:rPr lang="en-US" altLang="zh-TW" sz="1400" dirty="0" smtClean="0">
+                  <a:solidFill>
+                    <a:srgbClr val="FFC000"/>
+                  </a:solidFill>
+                </a:rPr>
+                <a:t>&lt;&lt;include&gt;&gt;</a:t>
+              </a:r>
+              <a:endParaRPr lang="zh-TW" altLang="en-US" sz="1400" dirty="0">
+                <a:solidFill>
+                  <a:srgbClr val="FFC000"/>
+                </a:solidFill>
+              </a:endParaRPr>
+            </a:p>
+          </p:txBody>
+        </p:sp>
+        <p:cxnSp>
+          <p:nvCxnSpPr>
+            <p:cNvPr id="89" name="直線接點 88"/>
+            <p:cNvCxnSpPr>
+              <a:stCxn id="82" idx="6"/>
+              <a:endCxn id="85" idx="2"/>
+            </p:cNvCxnSpPr>
+            <p:nvPr/>
+          </p:nvCxnSpPr>
+          <p:spPr>
+            <a:xfrm>
+              <a:off x="7232585" y="5945813"/>
+              <a:ext cx="1001698" cy="0"/>
+            </a:xfrm>
+            <a:prstGeom prst="line">
+              <a:avLst/>
+            </a:prstGeom>
+            <a:ln>
               <a:solidFill>
                 <a:srgbClr val="FFC000"/>
               </a:solidFill>
-            </p:spPr>
-            <p:style>
-              <a:lnRef idx="2">
-                <a:schemeClr val="accent1">
-                  <a:shade val="50000"/>
-                </a:schemeClr>
-              </a:lnRef>
-              <a:fillRef idx="1">
-                <a:schemeClr val="accent1"/>
-              </a:fillRef>
-              <a:effectRef idx="0">
-                <a:schemeClr val="accent1"/>
-              </a:effectRef>
-              <a:fontRef idx="minor">
-                <a:schemeClr val="lt1"/>
-              </a:fontRef>
-            </p:style>
-            <p:txBody>
-              <a:bodyPr rtlCol="0" anchor="ctr"/>
-              <a:lstStyle/>
-              <a:p>
-                <a:pPr algn="ctr"/>
-                <a:r>
-                  <a:rPr lang="zh-TW" altLang="en-US" sz="1200" dirty="0" smtClean="0"/>
-                  <a:t>資料庫連結</a:t>
-                </a:r>
-                <a:endParaRPr lang="zh-TW" altLang="en-US" sz="1200" dirty="0"/>
-              </a:p>
-            </p:txBody>
-          </p:sp>
-          <p:sp>
-            <p:nvSpPr>
-              <p:cNvPr id="84" name="橢圓 83"/>
-              <p:cNvSpPr/>
-              <p:nvPr/>
-            </p:nvSpPr>
-            <p:spPr>
-              <a:xfrm>
-                <a:off x="8237209" y="5118868"/>
-                <a:ext cx="2694568" cy="461181"/>
-              </a:xfrm>
-              <a:prstGeom prst="ellipse">
-                <a:avLst/>
-              </a:prstGeom>
-              <a:solidFill>
-                <a:srgbClr val="FFC000"/>
-              </a:solidFill>
-            </p:spPr>
-            <p:style>
-              <a:lnRef idx="2">
-                <a:schemeClr val="accent1">
-                  <a:shade val="50000"/>
-                </a:schemeClr>
-              </a:lnRef>
-              <a:fillRef idx="1">
-                <a:schemeClr val="accent1"/>
-              </a:fillRef>
-              <a:effectRef idx="0">
-                <a:schemeClr val="accent1"/>
-              </a:effectRef>
-              <a:fontRef idx="minor">
-                <a:schemeClr val="lt1"/>
-              </a:fontRef>
-            </p:style>
-            <p:txBody>
-              <a:bodyPr rtlCol="0" anchor="ctr"/>
-              <a:lstStyle/>
-              <a:p>
-                <a:pPr algn="ctr"/>
-                <a:r>
-                  <a:rPr lang="en-US" altLang="zh-TW" sz="1400" dirty="0" smtClean="0"/>
-                  <a:t>Reset</a:t>
-                </a:r>
-                <a:r>
-                  <a:rPr lang="zh-TW" altLang="en-US" sz="1400" dirty="0" smtClean="0"/>
-                  <a:t>、輸出</a:t>
-                </a:r>
-                <a:r>
-                  <a:rPr lang="en-US" altLang="zh-TW" sz="1400" dirty="0" smtClean="0"/>
-                  <a:t>csv</a:t>
-                </a:r>
-                <a:r>
-                  <a:rPr lang="zh-TW" altLang="en-US" sz="1400" dirty="0" smtClean="0"/>
-                  <a:t>檔</a:t>
-                </a:r>
-                <a:endParaRPr lang="zh-TW" altLang="en-US" sz="1200" dirty="0"/>
-              </a:p>
-            </p:txBody>
-          </p:sp>
-          <p:sp>
-            <p:nvSpPr>
-              <p:cNvPr id="85" name="橢圓 84"/>
-              <p:cNvSpPr/>
-              <p:nvPr/>
-            </p:nvSpPr>
-            <p:spPr>
-              <a:xfrm>
-                <a:off x="8234283" y="5715222"/>
-                <a:ext cx="2694568" cy="461181"/>
-              </a:xfrm>
-              <a:prstGeom prst="ellipse">
-                <a:avLst/>
-              </a:prstGeom>
-              <a:solidFill>
-                <a:srgbClr val="FFC000"/>
-              </a:solidFill>
-            </p:spPr>
-            <p:style>
-              <a:lnRef idx="2">
-                <a:schemeClr val="accent1">
-                  <a:shade val="50000"/>
-                </a:schemeClr>
-              </a:lnRef>
-              <a:fillRef idx="1">
-                <a:schemeClr val="accent1"/>
-              </a:fillRef>
-              <a:effectRef idx="0">
-                <a:schemeClr val="accent1"/>
-              </a:effectRef>
-              <a:fontRef idx="minor">
-                <a:schemeClr val="lt1"/>
-              </a:fontRef>
-            </p:style>
-            <p:txBody>
-              <a:bodyPr rtlCol="0" anchor="ctr"/>
-              <a:lstStyle/>
-              <a:p>
-                <a:pPr algn="ctr"/>
-                <a:r>
-                  <a:rPr lang="en-US" altLang="zh-TW" dirty="0" smtClean="0"/>
-                  <a:t>SQLite</a:t>
-                </a:r>
-                <a:endParaRPr lang="zh-TW" altLang="en-US" sz="1600" dirty="0"/>
-              </a:p>
-            </p:txBody>
-          </p:sp>
-          <p:cxnSp>
-            <p:nvCxnSpPr>
-              <p:cNvPr id="87" name="直線接點 86"/>
-              <p:cNvCxnSpPr>
-                <a:stCxn id="81" idx="6"/>
-                <a:endCxn id="84" idx="2"/>
-              </p:cNvCxnSpPr>
-              <p:nvPr/>
-            </p:nvCxnSpPr>
-            <p:spPr>
-              <a:xfrm>
-                <a:off x="7232585" y="5349459"/>
-                <a:ext cx="1004624" cy="0"/>
-              </a:xfrm>
-              <a:prstGeom prst="line">
-                <a:avLst/>
-              </a:prstGeom>
-              <a:ln>
+            </a:ln>
+          </p:spPr>
+          <p:style>
+            <a:lnRef idx="1">
+              <a:schemeClr val="accent1"/>
+            </a:lnRef>
+            <a:fillRef idx="0">
+              <a:schemeClr val="accent1"/>
+            </a:fillRef>
+            <a:effectRef idx="0">
+              <a:schemeClr val="accent1"/>
+            </a:effectRef>
+            <a:fontRef idx="minor">
+              <a:schemeClr val="tx1"/>
+            </a:fontRef>
+          </p:style>
+        </p:cxnSp>
+        <p:sp>
+          <p:nvSpPr>
+            <p:cNvPr id="91" name="文字方塊 90"/>
+            <p:cNvSpPr txBox="1"/>
+            <p:nvPr/>
+          </p:nvSpPr>
+          <p:spPr>
+            <a:xfrm>
+              <a:off x="7175324" y="5635380"/>
+              <a:ext cx="1148071" cy="307777"/>
+            </a:xfrm>
+            <a:prstGeom prst="rect">
+              <a:avLst/>
+            </a:prstGeom>
+            <a:noFill/>
+          </p:spPr>
+          <p:txBody>
+            <a:bodyPr wrap="none" rtlCol="0">
+              <a:spAutoFit/>
+            </a:bodyPr>
+            <a:lstStyle/>
+            <a:p>
+              <a:r>
+                <a:rPr lang="en-US" altLang="zh-TW" sz="1400" dirty="0" smtClean="0">
+                  <a:solidFill>
+                    <a:srgbClr val="FFC000"/>
+                  </a:solidFill>
+                </a:rPr>
+                <a:t>&lt;&lt;include&gt;&gt;</a:t>
+              </a:r>
+              <a:endParaRPr lang="zh-TW" altLang="en-US" sz="1400" dirty="0">
                 <a:solidFill>
                   <a:srgbClr val="FFC000"/>
                 </a:solidFill>
-              </a:ln>
-            </p:spPr>
-            <p:style>
-              <a:lnRef idx="1">
-                <a:schemeClr val="accent1"/>
-              </a:lnRef>
-              <a:fillRef idx="0">
-                <a:schemeClr val="accent1"/>
-              </a:fillRef>
-              <a:effectRef idx="0">
-                <a:schemeClr val="accent1"/>
-              </a:effectRef>
-              <a:fontRef idx="minor">
-                <a:schemeClr val="tx1"/>
-              </a:fontRef>
-            </p:style>
-          </p:cxnSp>
-          <p:sp>
-            <p:nvSpPr>
-              <p:cNvPr id="88" name="文字方塊 87"/>
-              <p:cNvSpPr txBox="1"/>
-              <p:nvPr/>
-            </p:nvSpPr>
-            <p:spPr>
-              <a:xfrm>
-                <a:off x="7166727" y="5037604"/>
-                <a:ext cx="1148071" cy="307777"/>
-              </a:xfrm>
-              <a:prstGeom prst="rect">
-                <a:avLst/>
-              </a:prstGeom>
-              <a:noFill/>
-            </p:spPr>
-            <p:txBody>
-              <a:bodyPr wrap="none" rtlCol="0">
-                <a:spAutoFit/>
-              </a:bodyPr>
-              <a:lstStyle/>
-              <a:p>
-                <a:r>
-                  <a:rPr lang="en-US" altLang="zh-TW" sz="1400" dirty="0" smtClean="0">
-                    <a:solidFill>
-                      <a:srgbClr val="FFC000"/>
-                    </a:solidFill>
-                  </a:rPr>
-                  <a:t>&lt;&lt;include&gt;&gt;</a:t>
-                </a:r>
-                <a:endParaRPr lang="zh-TW" altLang="en-US" sz="1400" dirty="0">
-                  <a:solidFill>
-                    <a:srgbClr val="FFC000"/>
-                  </a:solidFill>
-                </a:endParaRPr>
-              </a:p>
-            </p:txBody>
-          </p:sp>
-          <p:cxnSp>
-            <p:nvCxnSpPr>
-              <p:cNvPr id="89" name="直線接點 88"/>
-              <p:cNvCxnSpPr>
-                <a:stCxn id="82" idx="6"/>
-                <a:endCxn id="85" idx="2"/>
-              </p:cNvCxnSpPr>
-              <p:nvPr/>
-            </p:nvCxnSpPr>
-            <p:spPr>
-              <a:xfrm>
-                <a:off x="7232585" y="5945813"/>
-                <a:ext cx="1001698" cy="0"/>
-              </a:xfrm>
-              <a:prstGeom prst="line">
-                <a:avLst/>
-              </a:prstGeom>
-              <a:ln>
-                <a:solidFill>
-                  <a:srgbClr val="FFC000"/>
-                </a:solidFill>
-              </a:ln>
-            </p:spPr>
-            <p:style>
-              <a:lnRef idx="1">
-                <a:schemeClr val="accent1"/>
-              </a:lnRef>
-              <a:fillRef idx="0">
-                <a:schemeClr val="accent1"/>
-              </a:fillRef>
-              <a:effectRef idx="0">
-                <a:schemeClr val="accent1"/>
-              </a:effectRef>
-              <a:fontRef idx="minor">
-                <a:schemeClr val="tx1"/>
-              </a:fontRef>
-            </p:style>
-          </p:cxnSp>
-          <p:sp>
-            <p:nvSpPr>
-              <p:cNvPr id="91" name="文字方塊 90"/>
-              <p:cNvSpPr txBox="1"/>
-              <p:nvPr/>
-            </p:nvSpPr>
-            <p:spPr>
-              <a:xfrm>
-                <a:off x="7175324" y="5635380"/>
-                <a:ext cx="1148071" cy="307777"/>
-              </a:xfrm>
-              <a:prstGeom prst="rect">
-                <a:avLst/>
-              </a:prstGeom>
-              <a:noFill/>
-            </p:spPr>
-            <p:txBody>
-              <a:bodyPr wrap="none" rtlCol="0">
-                <a:spAutoFit/>
-              </a:bodyPr>
-              <a:lstStyle/>
-              <a:p>
-                <a:r>
-                  <a:rPr lang="en-US" altLang="zh-TW" sz="1400" dirty="0" smtClean="0">
-                    <a:solidFill>
-                      <a:srgbClr val="FFC000"/>
-                    </a:solidFill>
-                  </a:rPr>
-                  <a:t>&lt;&lt;include&gt;&gt;</a:t>
-                </a:r>
-                <a:endParaRPr lang="zh-TW" altLang="en-US" sz="1400" dirty="0">
-                  <a:solidFill>
-                    <a:srgbClr val="FFC000"/>
-                  </a:solidFill>
-                </a:endParaRPr>
-              </a:p>
-            </p:txBody>
-          </p:sp>
-        </p:grpSp>
+              </a:endParaRPr>
+            </a:p>
+          </p:txBody>
+        </p:sp>
       </p:grpSp>
       <p:cxnSp>
         <p:nvCxnSpPr>

--- a/Final/OOAD 個人計帳本final.pptx
+++ b/Final/OOAD 個人計帳本final.pptx
@@ -5,7 +5,7 @@
     <p:sldMasterId id="2147483677" r:id="rId1"/>
   </p:sldMasterIdLst>
   <p:notesMasterIdLst>
-    <p:notesMasterId r:id="rId10"/>
+    <p:notesMasterId r:id="rId11"/>
   </p:notesMasterIdLst>
   <p:sldIdLst>
     <p:sldId id="256" r:id="rId2"/>
@@ -16,6 +16,7 @@
     <p:sldId id="263" r:id="rId7"/>
     <p:sldId id="264" r:id="rId8"/>
     <p:sldId id="267" r:id="rId9"/>
+    <p:sldId id="268" r:id="rId10"/>
   </p:sldIdLst>
   <p:sldSz cx="12192000" cy="6858000"/>
   <p:notesSz cx="6858000" cy="9144000"/>
@@ -6300,11 +6301,7 @@
           <a:p>
             <a:r>
               <a:rPr lang="zh-TW" altLang="en-US" dirty="0" smtClean="0"/>
-              <a:t>台師大 資工碩</a:t>
-            </a:r>
-            <a:r>
-              <a:rPr lang="zh-TW" altLang="en-US" dirty="0" smtClean="0"/>
-              <a:t>一 </a:t>
+              <a:t>台師大 資工碩一 </a:t>
             </a:r>
             <a:r>
               <a:rPr lang="en-US" altLang="zh-TW" dirty="0"/>
@@ -6312,11 +6309,7 @@
             </a:r>
             <a:r>
               <a:rPr lang="zh-TW" altLang="en-US" dirty="0" smtClean="0"/>
-              <a:t> </a:t>
-            </a:r>
-            <a:r>
-              <a:rPr lang="zh-TW" altLang="en-US" dirty="0" smtClean="0"/>
-              <a:t>周</a:t>
+              <a:t> 周</a:t>
             </a:r>
             <a:r>
               <a:rPr lang="zh-TW" altLang="en-US" dirty="0"/>
@@ -6437,7 +6430,7 @@
         </p:spPr>
         <p:txBody>
           <a:bodyPr>
-            <a:normAutofit fontScale="92500"/>
+            <a:normAutofit fontScale="85000" lnSpcReduction="20000"/>
           </a:bodyPr>
           <a:lstStyle/>
           <a:p>
@@ -6504,9 +6497,29 @@
             </a:pPr>
             <a:r>
               <a:rPr lang="zh-TW" altLang="en-US" sz="2400" dirty="0" smtClean="0"/>
-              <a:t>完成度</a:t>
+              <a:t>完成</a:t>
+            </a:r>
+            <a:r>
+              <a:rPr lang="zh-TW" altLang="en-US" sz="2400" dirty="0" smtClean="0"/>
+              <a:t>度</a:t>
             </a:r>
             <a:endParaRPr lang="en-US" altLang="zh-TW" sz="2400" dirty="0" smtClean="0"/>
+          </a:p>
+          <a:p>
+            <a:pPr>
+              <a:lnSpc>
+                <a:spcPct val="150000"/>
+              </a:lnSpc>
+            </a:pPr>
+            <a:r>
+              <a:rPr lang="zh-TW" altLang="en-US" sz="2400" dirty="0"/>
+              <a:t>參考</a:t>
+            </a:r>
+            <a:r>
+              <a:rPr lang="en-US" altLang="zh-TW" sz="2400" dirty="0"/>
+              <a:t>Application</a:t>
+            </a:r>
+            <a:endParaRPr lang="en-US" altLang="zh-TW" sz="2400" b="1" dirty="0" smtClean="0"/>
           </a:p>
           <a:p>
             <a:pPr>
@@ -9738,6 +9751,176 @@
 </p:sld>
 </file>
 
+<file path=ppt/slides/slide9.xml><?xml version="1.0" encoding="utf-8"?>
+<p:sld xmlns:a="http://schemas.openxmlformats.org/drawingml/2006/main" xmlns:r="http://schemas.openxmlformats.org/officeDocument/2006/relationships" xmlns:p="http://schemas.openxmlformats.org/presentationml/2006/main">
+  <p:cSld>
+    <p:spTree>
+      <p:nvGrpSpPr>
+        <p:cNvPr id="1" name=""/>
+        <p:cNvGrpSpPr/>
+        <p:nvPr/>
+      </p:nvGrpSpPr>
+      <p:grpSpPr>
+        <a:xfrm>
+          <a:off x="0" y="0"/>
+          <a:ext cx="0" cy="0"/>
+          <a:chOff x="0" y="0"/>
+          <a:chExt cx="0" cy="0"/>
+        </a:xfrm>
+      </p:grpSpPr>
+      <p:sp>
+        <p:nvSpPr>
+          <p:cNvPr id="2" name="標題 1"/>
+          <p:cNvSpPr>
+            <a:spLocks noGrp="1"/>
+          </p:cNvSpPr>
+          <p:nvPr>
+            <p:ph type="title"/>
+          </p:nvPr>
+        </p:nvSpPr>
+        <p:spPr/>
+        <p:txBody>
+          <a:bodyPr/>
+          <a:lstStyle/>
+          <a:p>
+            <a:r>
+              <a:rPr lang="zh-TW" altLang="en-US" dirty="0" smtClean="0"/>
+              <a:t>參考</a:t>
+            </a:r>
+            <a:r>
+              <a:rPr lang="en-US" altLang="zh-TW" dirty="0" smtClean="0"/>
+              <a:t>Application</a:t>
+            </a:r>
+            <a:endParaRPr lang="zh-TW" altLang="en-US" dirty="0"/>
+          </a:p>
+        </p:txBody>
+      </p:sp>
+      <p:sp>
+        <p:nvSpPr>
+          <p:cNvPr id="3" name="內容版面配置區 2"/>
+          <p:cNvSpPr>
+            <a:spLocks noGrp="1"/>
+          </p:cNvSpPr>
+          <p:nvPr>
+            <p:ph idx="1"/>
+          </p:nvPr>
+        </p:nvSpPr>
+        <p:spPr/>
+        <p:txBody>
+          <a:bodyPr/>
+          <a:lstStyle/>
+          <a:p>
+            <a:r>
+              <a:rPr lang="zh-TW" altLang="en-US" dirty="0" smtClean="0"/>
+              <a:t>簡單記帳</a:t>
+            </a:r>
+            <a:endParaRPr lang="en-US" altLang="zh-TW" dirty="0" smtClean="0"/>
+          </a:p>
+          <a:p>
+            <a:r>
+              <a:rPr lang="en-US" altLang="zh-TW" dirty="0" smtClean="0"/>
+              <a:t>Simple Spender</a:t>
+            </a:r>
+            <a:endParaRPr lang="zh-TW" altLang="en-US" dirty="0"/>
+          </a:p>
+        </p:txBody>
+      </p:sp>
+      <p:sp>
+        <p:nvSpPr>
+          <p:cNvPr id="4" name="投影片編號版面配置區 3"/>
+          <p:cNvSpPr>
+            <a:spLocks noGrp="1"/>
+          </p:cNvSpPr>
+          <p:nvPr>
+            <p:ph type="sldNum" sz="quarter" idx="12"/>
+          </p:nvPr>
+        </p:nvSpPr>
+        <p:spPr/>
+        <p:txBody>
+          <a:bodyPr/>
+          <a:lstStyle/>
+          <a:p>
+            <a:fld id="{AC6D0D02-57A5-486F-A324-A4F87BF5029A}" type="slidenum">
+              <a:rPr lang="zh-TW" altLang="en-US" smtClean="0"/>
+              <a:t>9</a:t>
+            </a:fld>
+            <a:endParaRPr lang="zh-TW" altLang="en-US"/>
+          </a:p>
+        </p:txBody>
+      </p:sp>
+      <p:pic>
+        <p:nvPicPr>
+          <p:cNvPr id="5" name="圖片 4"/>
+          <p:cNvPicPr>
+            <a:picLocks noChangeAspect="1"/>
+          </p:cNvPicPr>
+          <p:nvPr/>
+        </p:nvPicPr>
+        <p:blipFill>
+          <a:blip r:embed="rId2">
+            <a:extLst>
+              <a:ext uri="{28A0092B-C50C-407E-A947-70E740481C1C}">
+                <a14:useLocalDpi xmlns:a14="http://schemas.microsoft.com/office/drawing/2010/main" val="0"/>
+              </a:ext>
+            </a:extLst>
+          </a:blip>
+          <a:stretch>
+            <a:fillRect/>
+          </a:stretch>
+        </p:blipFill>
+        <p:spPr>
+          <a:xfrm>
+            <a:off x="1795205" y="3278389"/>
+            <a:ext cx="1258250" cy="1312661"/>
+          </a:xfrm>
+          <a:prstGeom prst="rect">
+            <a:avLst/>
+          </a:prstGeom>
+        </p:spPr>
+      </p:pic>
+      <p:pic>
+        <p:nvPicPr>
+          <p:cNvPr id="6" name="圖片 5"/>
+          <p:cNvPicPr>
+            <a:picLocks noChangeAspect="1"/>
+          </p:cNvPicPr>
+          <p:nvPr/>
+        </p:nvPicPr>
+        <p:blipFill>
+          <a:blip r:embed="rId3">
+            <a:extLst>
+              <a:ext uri="{28A0092B-C50C-407E-A947-70E740481C1C}">
+                <a14:useLocalDpi xmlns:a14="http://schemas.microsoft.com/office/drawing/2010/main" val="0"/>
+              </a:ext>
+            </a:extLst>
+          </a:blip>
+          <a:stretch>
+            <a:fillRect/>
+          </a:stretch>
+        </p:blipFill>
+        <p:spPr>
+          <a:xfrm>
+            <a:off x="3527366" y="1586954"/>
+            <a:ext cx="1141295" cy="1147270"/>
+          </a:xfrm>
+          <a:prstGeom prst="rect">
+            <a:avLst/>
+          </a:prstGeom>
+        </p:spPr>
+      </p:pic>
+    </p:spTree>
+    <p:extLst>
+      <p:ext uri="{BB962C8B-B14F-4D97-AF65-F5344CB8AC3E}">
+        <p14:creationId xmlns:p14="http://schemas.microsoft.com/office/powerpoint/2010/main" val="3086109344"/>
+      </p:ext>
+    </p:extLst>
+  </p:cSld>
+  <p:clrMapOvr>
+    <a:masterClrMapping/>
+  </p:clrMapOvr>
+</p:sld>
+</file>
+
 <file path=ppt/theme/theme1.xml><?xml version="1.0" encoding="utf-8"?>
 <a:theme xmlns:a="http://schemas.openxmlformats.org/drawingml/2006/main" name="多面向">
   <a:themeElements>
